--- a/Adopting Angular2 as an accelerator for new UI development – an LDNG journey.v3.pptx
+++ b/Adopting Angular2 as an accelerator for new UI development – an LDNG journey.v3.pptx
@@ -5,10 +5,10 @@
     <p:sldMasterId id="2147483648" r:id="rId1"/>
   </p:sldMasterIdLst>
   <p:notesMasterIdLst>
-    <p:notesMasterId r:id="rId10"/>
+    <p:notesMasterId r:id="rId13"/>
   </p:notesMasterIdLst>
   <p:handoutMasterIdLst>
-    <p:handoutMasterId r:id="rId11"/>
+    <p:handoutMasterId r:id="rId14"/>
   </p:handoutMasterIdLst>
   <p:sldIdLst>
     <p:sldId id="256" r:id="rId2"/>
@@ -18,7 +18,10 @@
     <p:sldId id="263" r:id="rId6"/>
     <p:sldId id="264" r:id="rId7"/>
     <p:sldId id="266" r:id="rId8"/>
-    <p:sldId id="258" r:id="rId9"/>
+    <p:sldId id="267" r:id="rId9"/>
+    <p:sldId id="268" r:id="rId10"/>
+    <p:sldId id="269" r:id="rId11"/>
+    <p:sldId id="258" r:id="rId12"/>
   </p:sldIdLst>
   <p:sldSz cx="12192000" cy="6858000"/>
   <p:notesSz cx="6858000" cy="9144000"/>
@@ -119,7 +122,7 @@
   </p:defaultTextStyle>
   <p:extLst>
     <p:ext uri="{EFAFB233-063F-42B5-8137-9DF3F51BA10A}">
-      <p15:sldGuideLst xmlns:p15="http://schemas.microsoft.com/office/powerpoint/2012/main">
+      <p15:sldGuideLst xmlns="" xmlns:p15="http://schemas.microsoft.com/office/powerpoint/2012/main">
         <p15:guide id="1" orient="horz" pos="2160">
           <p15:clr>
             <a:srgbClr val="A4A3A4"/>
@@ -133,7 +136,7 @@
       </p15:sldGuideLst>
     </p:ext>
     <p:ext uri="{2D200454-40CA-4A62-9FC3-DE9A4176ACB9}">
-      <p15:notesGuideLst xmlns:p15="http://schemas.microsoft.com/office/powerpoint/2012/main"/>
+      <p15:notesGuideLst xmlns="" xmlns:p15="http://schemas.microsoft.com/office/powerpoint/2012/main"/>
     </p:ext>
   </p:extLst>
 </p:presentation>
@@ -346,11 +349,11 @@
         </c:dLbls>
         <c:gapWidth val="100"/>
         <c:overlap val="-24"/>
-        <c:axId val="369211984"/>
-        <c:axId val="369205320"/>
+        <c:axId val="2143327832"/>
+        <c:axId val="2112237800"/>
       </c:barChart>
       <c:catAx>
-        <c:axId val="369211984"/>
+        <c:axId val="2143327832"/>
         <c:scaling>
           <c:orientation val="minMax"/>
         </c:scaling>
@@ -392,7 +395,7 @@
             <a:endParaRPr lang="en-US"/>
           </a:p>
         </c:txPr>
-        <c:crossAx val="369205320"/>
+        <c:crossAx val="2112237800"/>
         <c:crosses val="autoZero"/>
         <c:auto val="1"/>
         <c:lblAlgn val="ctr"/>
@@ -400,10 +403,10 @@
         <c:noMultiLvlLbl val="0"/>
       </c:catAx>
       <c:valAx>
-        <c:axId val="369205320"/>
+        <c:axId val="2112237800"/>
         <c:scaling>
           <c:orientation val="minMax"/>
-          <c:min val="0"/>
+          <c:min val="0.0"/>
         </c:scaling>
         <c:delete val="0"/>
         <c:axPos val="l"/>
@@ -451,7 +454,7 @@
             <a:endParaRPr lang="en-US"/>
           </a:p>
         </c:txPr>
-        <c:crossAx val="369211984"/>
+        <c:crossAx val="2143327832"/>
         <c:crosses val="autoZero"/>
         <c:crossBetween val="between"/>
       </c:valAx>
@@ -503,7 +506,7 @@
       <a:endParaRPr lang="en-US"/>
     </a:p>
   </c:txPr>
-  <c:externalData r:id="rId3">
+  <c:externalData r:id="rId1">
     <c:autoUpdate val="0"/>
   </c:externalData>
 </c:chartSpace>
@@ -1075,6 +1078,7 @@
     </p:extLst>
   </p:cSld>
   <p:clrMap bg1="lt1" tx1="dk1" bg2="lt2" tx2="dk2" accent1="accent1" accent2="accent2" accent3="accent3" accent4="accent4" accent5="accent5" accent6="accent6" hlink="hlink" folHlink="folHlink"/>
+  <p:hf hdr="0" ftr="0" dt="0"/>
 </p:handoutMaster>
 </file>
 
@@ -1201,6 +1205,7 @@
     </p:extLst>
   </p:cSld>
   <p:clrMap bg1="lt1" tx1="dk1" bg2="lt2" tx2="dk2" accent1="accent1" accent2="accent2" accent3="accent3" accent4="accent4" accent5="accent5" accent6="accent6" hlink="hlink" folHlink="folHlink"/>
+  <p:hf hdr="0" ftr="0" dt="0"/>
   <p:notesStyle>
     <a:lvl1pPr marL="0" algn="l" defTabSz="914400" rtl="0" eaLnBrk="1" latinLnBrk="0" hangingPunct="1">
       <a:defRPr sz="1200" kern="1200">
@@ -1462,6 +1467,10 @@
           <a:bodyPr/>
           <a:lstStyle/>
           <a:p>
+            <a:r>
+              <a:rPr lang="en-US" dirty="0" smtClean="0"/>
+              <a:t>Use a single image or two?</a:t>
+            </a:r>
             <a:endParaRPr lang="en-US" dirty="0"/>
           </a:p>
         </p:txBody>
@@ -1636,6 +1645,262 @@
     <p:extLst>
       <p:ext uri="{BB962C8B-B14F-4D97-AF65-F5344CB8AC3E}">
         <p14:creationId xmlns:p14="http://schemas.microsoft.com/office/powerpoint/2010/main" val="2576220928"/>
+      </p:ext>
+    </p:extLst>
+  </p:cSld>
+  <p:clrMapOvr>
+    <a:masterClrMapping/>
+  </p:clrMapOvr>
+</p:notes>
+</file>
+
+<file path=ppt/notesSlides/notesSlide6.xml><?xml version="1.0" encoding="utf-8"?>
+<p:notes xmlns:a="http://schemas.openxmlformats.org/drawingml/2006/main" xmlns:r="http://schemas.openxmlformats.org/officeDocument/2006/relationships" xmlns:p="http://schemas.openxmlformats.org/presentationml/2006/main">
+  <p:cSld>
+    <p:spTree>
+      <p:nvGrpSpPr>
+        <p:cNvPr id="1" name=""/>
+        <p:cNvGrpSpPr/>
+        <p:nvPr/>
+      </p:nvGrpSpPr>
+      <p:grpSpPr>
+        <a:xfrm>
+          <a:off x="0" y="0"/>
+          <a:ext cx="0" cy="0"/>
+          <a:chOff x="0" y="0"/>
+          <a:chExt cx="0" cy="0"/>
+        </a:xfrm>
+      </p:grpSpPr>
+      <p:sp>
+        <p:nvSpPr>
+          <p:cNvPr id="2" name="Slide Image Placeholder 1"/>
+          <p:cNvSpPr>
+            <a:spLocks noGrp="1" noRot="1" noChangeAspect="1"/>
+          </p:cNvSpPr>
+          <p:nvPr>
+            <p:ph type="sldImg"/>
+          </p:nvPr>
+        </p:nvSpPr>
+        <p:spPr/>
+      </p:sp>
+      <p:sp>
+        <p:nvSpPr>
+          <p:cNvPr id="3" name="Notes Placeholder 2"/>
+          <p:cNvSpPr>
+            <a:spLocks noGrp="1"/>
+          </p:cNvSpPr>
+          <p:nvPr>
+            <p:ph type="body" idx="1"/>
+          </p:nvPr>
+        </p:nvSpPr>
+        <p:spPr/>
+        <p:txBody>
+          <a:bodyPr/>
+          <a:lstStyle/>
+          <a:p>
+            <a:r>
+              <a:rPr lang="en-US" dirty="0" smtClean="0"/>
+              <a:t>- Add number of tests</a:t>
+            </a:r>
+            <a:r>
+              <a:rPr lang="en-US" baseline="0" dirty="0" smtClean="0"/>
+              <a:t> to graph</a:t>
+            </a:r>
+            <a:endParaRPr lang="en-US" dirty="0"/>
+          </a:p>
+        </p:txBody>
+      </p:sp>
+    </p:spTree>
+    <p:extLst>
+      <p:ext uri="{BB962C8B-B14F-4D97-AF65-F5344CB8AC3E}">
+        <p14:creationId xmlns:p14="http://schemas.microsoft.com/office/powerpoint/2010/main" val="1039671984"/>
+      </p:ext>
+    </p:extLst>
+  </p:cSld>
+  <p:clrMapOvr>
+    <a:masterClrMapping/>
+  </p:clrMapOvr>
+</p:notes>
+</file>
+
+<file path=ppt/notesSlides/notesSlide7.xml><?xml version="1.0" encoding="utf-8"?>
+<p:notes xmlns:a="http://schemas.openxmlformats.org/drawingml/2006/main" xmlns:r="http://schemas.openxmlformats.org/officeDocument/2006/relationships" xmlns:p="http://schemas.openxmlformats.org/presentationml/2006/main">
+  <p:cSld>
+    <p:spTree>
+      <p:nvGrpSpPr>
+        <p:cNvPr id="1" name=""/>
+        <p:cNvGrpSpPr/>
+        <p:nvPr/>
+      </p:nvGrpSpPr>
+      <p:grpSpPr>
+        <a:xfrm>
+          <a:off x="0" y="0"/>
+          <a:ext cx="0" cy="0"/>
+          <a:chOff x="0" y="0"/>
+          <a:chExt cx="0" cy="0"/>
+        </a:xfrm>
+      </p:grpSpPr>
+      <p:sp>
+        <p:nvSpPr>
+          <p:cNvPr id="2" name="Slide Image Placeholder 1"/>
+          <p:cNvSpPr>
+            <a:spLocks noGrp="1" noRot="1" noChangeAspect="1"/>
+          </p:cNvSpPr>
+          <p:nvPr>
+            <p:ph type="sldImg"/>
+          </p:nvPr>
+        </p:nvSpPr>
+        <p:spPr/>
+      </p:sp>
+      <p:sp>
+        <p:nvSpPr>
+          <p:cNvPr id="3" name="Notes Placeholder 2"/>
+          <p:cNvSpPr>
+            <a:spLocks noGrp="1"/>
+          </p:cNvSpPr>
+          <p:nvPr>
+            <p:ph type="body" idx="1"/>
+          </p:nvPr>
+        </p:nvSpPr>
+        <p:spPr/>
+        <p:txBody>
+          <a:bodyPr/>
+          <a:lstStyle/>
+          <a:p>
+            <a:endParaRPr lang="en-US" dirty="0"/>
+          </a:p>
+        </p:txBody>
+      </p:sp>
+    </p:spTree>
+    <p:extLst>
+      <p:ext uri="{BB962C8B-B14F-4D97-AF65-F5344CB8AC3E}">
+        <p14:creationId xmlns:p14="http://schemas.microsoft.com/office/powerpoint/2010/main" val="905506424"/>
+      </p:ext>
+    </p:extLst>
+  </p:cSld>
+  <p:clrMapOvr>
+    <a:masterClrMapping/>
+  </p:clrMapOvr>
+</p:notes>
+</file>
+
+<file path=ppt/notesSlides/notesSlide8.xml><?xml version="1.0" encoding="utf-8"?>
+<p:notes xmlns:a="http://schemas.openxmlformats.org/drawingml/2006/main" xmlns:r="http://schemas.openxmlformats.org/officeDocument/2006/relationships" xmlns:p="http://schemas.openxmlformats.org/presentationml/2006/main">
+  <p:cSld>
+    <p:spTree>
+      <p:nvGrpSpPr>
+        <p:cNvPr id="1" name=""/>
+        <p:cNvGrpSpPr/>
+        <p:nvPr/>
+      </p:nvGrpSpPr>
+      <p:grpSpPr>
+        <a:xfrm>
+          <a:off x="0" y="0"/>
+          <a:ext cx="0" cy="0"/>
+          <a:chOff x="0" y="0"/>
+          <a:chExt cx="0" cy="0"/>
+        </a:xfrm>
+      </p:grpSpPr>
+      <p:sp>
+        <p:nvSpPr>
+          <p:cNvPr id="2" name="Slide Image Placeholder 1"/>
+          <p:cNvSpPr>
+            <a:spLocks noGrp="1" noRot="1" noChangeAspect="1"/>
+          </p:cNvSpPr>
+          <p:nvPr>
+            <p:ph type="sldImg"/>
+          </p:nvPr>
+        </p:nvSpPr>
+        <p:spPr/>
+      </p:sp>
+      <p:sp>
+        <p:nvSpPr>
+          <p:cNvPr id="3" name="Notes Placeholder 2"/>
+          <p:cNvSpPr>
+            <a:spLocks noGrp="1"/>
+          </p:cNvSpPr>
+          <p:nvPr>
+            <p:ph type="body" idx="1"/>
+          </p:nvPr>
+        </p:nvSpPr>
+        <p:spPr/>
+        <p:txBody>
+          <a:bodyPr/>
+          <a:lstStyle/>
+          <a:p>
+            <a:endParaRPr lang="en-US" dirty="0"/>
+          </a:p>
+        </p:txBody>
+      </p:sp>
+    </p:spTree>
+    <p:extLst>
+      <p:ext uri="{BB962C8B-B14F-4D97-AF65-F5344CB8AC3E}">
+        <p14:creationId xmlns:p14="http://schemas.microsoft.com/office/powerpoint/2010/main" val="905506424"/>
+      </p:ext>
+    </p:extLst>
+  </p:cSld>
+  <p:clrMapOvr>
+    <a:masterClrMapping/>
+  </p:clrMapOvr>
+</p:notes>
+</file>
+
+<file path=ppt/notesSlides/notesSlide9.xml><?xml version="1.0" encoding="utf-8"?>
+<p:notes xmlns:a="http://schemas.openxmlformats.org/drawingml/2006/main" xmlns:r="http://schemas.openxmlformats.org/officeDocument/2006/relationships" xmlns:p="http://schemas.openxmlformats.org/presentationml/2006/main">
+  <p:cSld>
+    <p:spTree>
+      <p:nvGrpSpPr>
+        <p:cNvPr id="1" name=""/>
+        <p:cNvGrpSpPr/>
+        <p:nvPr/>
+      </p:nvGrpSpPr>
+      <p:grpSpPr>
+        <a:xfrm>
+          <a:off x="0" y="0"/>
+          <a:ext cx="0" cy="0"/>
+          <a:chOff x="0" y="0"/>
+          <a:chExt cx="0" cy="0"/>
+        </a:xfrm>
+      </p:grpSpPr>
+      <p:sp>
+        <p:nvSpPr>
+          <p:cNvPr id="2" name="Slide Image Placeholder 1"/>
+          <p:cNvSpPr>
+            <a:spLocks noGrp="1" noRot="1" noChangeAspect="1"/>
+          </p:cNvSpPr>
+          <p:nvPr>
+            <p:ph type="sldImg"/>
+          </p:nvPr>
+        </p:nvSpPr>
+        <p:spPr/>
+      </p:sp>
+      <p:sp>
+        <p:nvSpPr>
+          <p:cNvPr id="3" name="Notes Placeholder 2"/>
+          <p:cNvSpPr>
+            <a:spLocks noGrp="1"/>
+          </p:cNvSpPr>
+          <p:nvPr>
+            <p:ph type="body" idx="1"/>
+          </p:nvPr>
+        </p:nvSpPr>
+        <p:spPr/>
+        <p:txBody>
+          <a:bodyPr/>
+          <a:lstStyle/>
+          <a:p>
+            <a:r>
+              <a:rPr lang="en-US" dirty="0" smtClean="0"/>
+              <a:t>- What should we show?</a:t>
+            </a:r>
+            <a:endParaRPr lang="en-US" dirty="0"/>
+          </a:p>
+        </p:txBody>
+      </p:sp>
+    </p:spTree>
+    <p:extLst>
+      <p:ext uri="{BB962C8B-B14F-4D97-AF65-F5344CB8AC3E}">
+        <p14:creationId xmlns:p14="http://schemas.microsoft.com/office/powerpoint/2010/main" val="905506424"/>
       </p:ext>
     </p:extLst>
   </p:cSld>
@@ -2188,7 +2453,7 @@
                 <a:tabLst/>
                 <a:defRPr/>
               </a:pPr>
-              <a:t>4/14/2017</a:t>
+              <a:t>4/16/17</a:t>
             </a:fld>
             <a:endParaRPr lang="en-US" altLang="en-US" sz="900" dirty="0" smtClean="0">
               <a:solidFill>
@@ -2498,7 +2763,7 @@
                 <a:tabLst/>
                 <a:defRPr/>
               </a:pPr>
-              <a:t>4/14/2017</a:t>
+              <a:t>4/16/17</a:t>
             </a:fld>
             <a:endParaRPr lang="en-US" altLang="en-US" sz="900" dirty="0" smtClean="0">
               <a:solidFill>
@@ -2913,7 +3178,7 @@
                 <a:tabLst/>
                 <a:defRPr/>
               </a:pPr>
-              <a:t>4/14/2017</a:t>
+              <a:t>4/16/17</a:t>
             </a:fld>
             <a:endParaRPr lang="en-US" altLang="en-US" sz="900" dirty="0" smtClean="0">
               <a:solidFill>
@@ -3339,7 +3604,7 @@
                 <a:tabLst/>
                 <a:defRPr/>
               </a:pPr>
-              <a:t>4/14/2017</a:t>
+              <a:t>4/16/17</a:t>
             </a:fld>
             <a:endParaRPr lang="en-US" altLang="en-US" sz="900" dirty="0" smtClean="0">
               <a:solidFill>
@@ -3505,7 +3770,7 @@
                 <a:tabLst/>
                 <a:defRPr/>
               </a:pPr>
-              <a:t>4/14/2017</a:t>
+              <a:t>4/16/17</a:t>
             </a:fld>
             <a:endParaRPr lang="en-US" altLang="en-US" sz="900" dirty="0" smtClean="0">
               <a:solidFill>
@@ -3712,7 +3977,7 @@
     <p:sldLayoutId id="2147483652" r:id="rId5"/>
     <p:sldLayoutId id="2147483653" r:id="rId6"/>
   </p:sldLayoutIdLst>
-  <p:hf sldNum="0" hdr="0" dt="0"/>
+  <p:hf sldNum="0" hdr="0" ftr="0" dt="0"/>
   <p:txStyles>
     <p:titleStyle>
       <a:lvl1pPr algn="l" defTabSz="914400" rtl="0" eaLnBrk="1" latinLnBrk="0" hangingPunct="1">
@@ -4090,7 +4355,150 @@
   <p:timing>
     <p:tnLst>
       <p:par>
-        <p:cTn id="1" dur="indefinite" restart="never" nodeType="tmRoot"/>
+        <p:cTn xmlns:p14="http://schemas.microsoft.com/office/powerpoint/2010/main" id="1" dur="indefinite" restart="never" nodeType="tmRoot"/>
+      </p:par>
+    </p:tnLst>
+  </p:timing>
+</p:sld>
+</file>
+
+<file path=ppt/slides/slide10.xml><?xml version="1.0" encoding="utf-8"?>
+<p:sld xmlns:a="http://schemas.openxmlformats.org/drawingml/2006/main" xmlns:r="http://schemas.openxmlformats.org/officeDocument/2006/relationships" xmlns:p="http://schemas.openxmlformats.org/presentationml/2006/main">
+  <p:cSld>
+    <p:spTree>
+      <p:nvGrpSpPr>
+        <p:cNvPr id="1" name=""/>
+        <p:cNvGrpSpPr/>
+        <p:nvPr/>
+      </p:nvGrpSpPr>
+      <p:grpSpPr>
+        <a:xfrm>
+          <a:off x="0" y="0"/>
+          <a:ext cx="0" cy="0"/>
+          <a:chOff x="0" y="0"/>
+          <a:chExt cx="0" cy="0"/>
+        </a:xfrm>
+      </p:grpSpPr>
+      <p:sp>
+        <p:nvSpPr>
+          <p:cNvPr id="4" name="Title 3"/>
+          <p:cNvSpPr>
+            <a:spLocks noGrp="1"/>
+          </p:cNvSpPr>
+          <p:nvPr>
+            <p:ph type="title"/>
+          </p:nvPr>
+        </p:nvSpPr>
+        <p:spPr/>
+        <p:txBody>
+          <a:bodyPr/>
+          <a:lstStyle/>
+          <a:p>
+            <a:r>
+              <a:rPr lang="en-US" dirty="0" smtClean="0"/>
+              <a:t>Demo</a:t>
+            </a:r>
+            <a:endParaRPr lang="en-US" dirty="0"/>
+          </a:p>
+        </p:txBody>
+      </p:sp>
+      <p:sp>
+        <p:nvSpPr>
+          <p:cNvPr id="5" name="Content Placeholder 4"/>
+          <p:cNvSpPr>
+            <a:spLocks noGrp="1"/>
+          </p:cNvSpPr>
+          <p:nvPr>
+            <p:ph idx="1"/>
+          </p:nvPr>
+        </p:nvSpPr>
+        <p:spPr/>
+        <p:txBody>
+          <a:bodyPr/>
+          <a:lstStyle/>
+          <a:p>
+            <a:pPr marL="285750" indent="-285750">
+              <a:buFont typeface="Arial" panose="020B0604020202020204" pitchFamily="34" charset="0"/>
+              <a:buChar char="•"/>
+            </a:pPr>
+            <a:endParaRPr lang="en-US" dirty="0"/>
+          </a:p>
+        </p:txBody>
+      </p:sp>
+    </p:spTree>
+    <p:extLst>
+      <p:ext uri="{BB962C8B-B14F-4D97-AF65-F5344CB8AC3E}">
+        <p14:creationId xmlns:p14="http://schemas.microsoft.com/office/powerpoint/2010/main" val="442889103"/>
+      </p:ext>
+    </p:extLst>
+  </p:cSld>
+  <p:clrMapOvr>
+    <a:masterClrMapping/>
+  </p:clrMapOvr>
+  <p:timing>
+    <p:tnLst>
+      <p:par>
+        <p:cTn xmlns:p14="http://schemas.microsoft.com/office/powerpoint/2010/main" id="1" dur="indefinite" restart="never" nodeType="tmRoot"/>
+      </p:par>
+    </p:tnLst>
+  </p:timing>
+</p:sld>
+</file>
+
+<file path=ppt/slides/slide11.xml><?xml version="1.0" encoding="utf-8"?>
+<p:sld xmlns:a="http://schemas.openxmlformats.org/drawingml/2006/main" xmlns:r="http://schemas.openxmlformats.org/officeDocument/2006/relationships" xmlns:p="http://schemas.openxmlformats.org/presentationml/2006/main">
+  <p:cSld>
+    <p:spTree>
+      <p:nvGrpSpPr>
+        <p:cNvPr id="1" name=""/>
+        <p:cNvGrpSpPr/>
+        <p:nvPr/>
+      </p:nvGrpSpPr>
+      <p:grpSpPr>
+        <a:xfrm>
+          <a:off x="0" y="0"/>
+          <a:ext cx="0" cy="0"/>
+          <a:chOff x="0" y="0"/>
+          <a:chExt cx="0" cy="0"/>
+        </a:xfrm>
+      </p:grpSpPr>
+      <p:sp>
+        <p:nvSpPr>
+          <p:cNvPr id="2" name="Title 1"/>
+          <p:cNvSpPr>
+            <a:spLocks noGrp="1"/>
+          </p:cNvSpPr>
+          <p:nvPr>
+            <p:ph type="title"/>
+          </p:nvPr>
+        </p:nvSpPr>
+        <p:spPr/>
+        <p:txBody>
+          <a:bodyPr/>
+          <a:lstStyle/>
+          <a:p>
+            <a:r>
+              <a:rPr lang="en-US" dirty="0" smtClean="0"/>
+              <a:t>Questions and hopefully we have some answers!</a:t>
+            </a:r>
+            <a:endParaRPr lang="en-US" dirty="0"/>
+          </a:p>
+        </p:txBody>
+      </p:sp>
+    </p:spTree>
+    <p:extLst>
+      <p:ext uri="{BB962C8B-B14F-4D97-AF65-F5344CB8AC3E}">
+        <p14:creationId xmlns:p14="http://schemas.microsoft.com/office/powerpoint/2010/main" val="1647423624"/>
+      </p:ext>
+    </p:extLst>
+  </p:cSld>
+  <p:clrMapOvr>
+    <a:masterClrMapping/>
+  </p:clrMapOvr>
+  <p:timing>
+    <p:tnLst>
+      <p:par>
+        <p:cTn xmlns:p14="http://schemas.microsoft.com/office/powerpoint/2010/main" id="1" dur="indefinite" restart="never" nodeType="tmRoot"/>
       </p:par>
     </p:tnLst>
   </p:timing>
@@ -4157,8 +4565,16 @@
               <a:buChar char="•"/>
             </a:pPr>
             <a:r>
+              <a:rPr lang="en-US" b="1" dirty="0" smtClean="0"/>
+              <a:t>Problem statement</a:t>
+            </a:r>
+            <a:r>
+              <a:rPr lang="en-US" dirty="0" smtClean="0"/>
+              <a:t> </a:t>
+            </a:r>
+            <a:r>
               <a:rPr lang="en-US" dirty="0"/>
-              <a:t>Problem statement – why did we need to start looking for a new UI development framework? </a:t>
+              <a:t>– why did we need to start looking for a new UI development framework? </a:t>
             </a:r>
           </a:p>
           <a:p>
@@ -4174,16 +4590,20 @@
               <a:buChar char="•"/>
             </a:pPr>
             <a:r>
+              <a:rPr lang="en-US" b="1" dirty="0" smtClean="0"/>
+              <a:t>Technology </a:t>
+            </a:r>
+            <a:r>
+              <a:rPr lang="en-US" b="1" dirty="0"/>
+              <a:t>selection </a:t>
+            </a:r>
+            <a:r>
+              <a:rPr lang="en-US" b="1" dirty="0" smtClean="0"/>
+              <a:t>process </a:t>
+            </a:r>
+            <a:r>
               <a:rPr lang="en-US" dirty="0" smtClean="0"/>
-              <a:t>Technology </a:t>
-            </a:r>
-            <a:r>
-              <a:rPr lang="en-US" dirty="0"/>
-              <a:t>selection </a:t>
-            </a:r>
-            <a:r>
-              <a:rPr lang="en-US" dirty="0" smtClean="0"/>
-              <a:t>process – how and why did we pick Angular2? </a:t>
+              <a:t>– how and why did we pick Angular2? </a:t>
             </a:r>
           </a:p>
           <a:p>
@@ -4199,8 +4619,12 @@
               <a:buChar char="•"/>
             </a:pPr>
             <a:r>
+              <a:rPr lang="en-US" b="1" dirty="0" smtClean="0"/>
+              <a:t>Angular2 adoption </a:t>
+            </a:r>
+            <a:r>
               <a:rPr lang="en-US" dirty="0" smtClean="0"/>
-              <a:t>Angular2 adoption – </a:t>
+              <a:t>– </a:t>
             </a:r>
             <a:r>
               <a:rPr lang="en-US" dirty="0"/>
@@ -4229,11 +4653,19 @@
             </a:pPr>
             <a:r>
               <a:rPr lang="en-US" dirty="0" smtClean="0"/>
-              <a:t>Takeaways </a:t>
+              <a:t>T</a:t>
+            </a:r>
+            <a:r>
+              <a:rPr lang="en-US" b="1" dirty="0" smtClean="0"/>
+              <a:t>akeaways </a:t>
+            </a:r>
+            <a:r>
+              <a:rPr lang="en-US" b="1" dirty="0"/>
+              <a:t>and benefits </a:t>
             </a:r>
             <a:r>
               <a:rPr lang="en-US" dirty="0"/>
-              <a:t>and benefits – how did using Angular2 help our project timelines and our staff development? </a:t>
+              <a:t>– how did using Angular2 help our project timelines and our staff development? </a:t>
             </a:r>
             <a:endParaRPr lang="en-US" dirty="0" smtClean="0"/>
           </a:p>
@@ -4252,37 +4684,6 @@
             <a:r>
               <a:rPr lang="en-US" dirty="0" smtClean="0"/>
               <a:t>Questions and Some Answers?</a:t>
-            </a:r>
-            <a:endParaRPr lang="en-US" dirty="0"/>
-          </a:p>
-        </p:txBody>
-      </p:sp>
-      <p:sp>
-        <p:nvSpPr>
-          <p:cNvPr id="2" name="Footer Placeholder 1"/>
-          <p:cNvSpPr>
-            <a:spLocks noGrp="1"/>
-          </p:cNvSpPr>
-          <p:nvPr>
-            <p:ph type="ftr" sz="quarter" idx="11"/>
-          </p:nvPr>
-        </p:nvSpPr>
-        <p:spPr/>
-        <p:txBody>
-          <a:bodyPr/>
-          <a:lstStyle/>
-          <a:p>
-            <a:pPr fontAlgn="base">
-              <a:spcBef>
-                <a:spcPct val="0"/>
-              </a:spcBef>
-              <a:spcAft>
-                <a:spcPct val="0"/>
-              </a:spcAft>
-            </a:pPr>
-            <a:r>
-              <a:rPr lang="en-US" smtClean="0"/>
-              <a:t>Insert Presentation Title Here</a:t>
             </a:r>
             <a:endParaRPr lang="en-US" dirty="0"/>
           </a:p>
@@ -4301,7 +4702,7 @@
   <p:timing>
     <p:tnLst>
       <p:par>
-        <p:cTn id="1" dur="indefinite" restart="never" nodeType="tmRoot"/>
+        <p:cTn xmlns:p14="http://schemas.microsoft.com/office/powerpoint/2010/main" id="1" dur="indefinite" restart="never" nodeType="tmRoot"/>
       </p:par>
     </p:tnLst>
   </p:timing>
@@ -4389,8 +4790,13 @@
             </a:pPr>
             <a:r>
               <a:rPr lang="en-US" dirty="0"/>
-              <a:t>52K lines of code</a:t>
-            </a:r>
+              <a:t>52K lines of </a:t>
+            </a:r>
+            <a:r>
+              <a:rPr lang="en-US" dirty="0" smtClean="0"/>
+              <a:t>code</a:t>
+            </a:r>
+            <a:endParaRPr lang="en-US" dirty="0"/>
           </a:p>
           <a:p>
             <a:pPr marL="742950" lvl="1" indent="-285750">
@@ -4416,7 +4822,7 @@
             </a:pPr>
             <a:r>
               <a:rPr lang="en-US" dirty="0" smtClean="0"/>
-              <a:t>Backbone JS was selected as the UI “library” at the time -</a:t>
+              <a:t>Backbone JS was selected as the UI “library” </a:t>
             </a:r>
           </a:p>
           <a:p>
@@ -4466,8 +4872,40 @@
             </a:pPr>
             <a:r>
               <a:rPr lang="en-US" dirty="0" smtClean="0"/>
-              <a:t>No declarative forms support</a:t>
-            </a:r>
+              <a:t>No built-in </a:t>
+            </a:r>
+            <a:r>
+              <a:rPr lang="en-US" dirty="0" smtClean="0"/>
+              <a:t>declarative forms </a:t>
+            </a:r>
+            <a:r>
+              <a:rPr lang="en-US" dirty="0" smtClean="0"/>
+              <a:t>support</a:t>
+            </a:r>
+            <a:endParaRPr lang="en-US" dirty="0" smtClean="0"/>
+          </a:p>
+          <a:p>
+            <a:pPr marL="742950" lvl="1" indent="-285750">
+              <a:buFont typeface="Arial" panose="020B0604020202020204" pitchFamily="34" charset="0"/>
+              <a:buChar char="•"/>
+            </a:pPr>
+            <a:r>
+              <a:rPr lang="en-US" dirty="0" smtClean="0"/>
+              <a:t>App uses </a:t>
+            </a:r>
+            <a:r>
+              <a:rPr lang="en-US" dirty="0" smtClean="0"/>
+              <a:t>15+ 3</a:t>
+            </a:r>
+            <a:r>
+              <a:rPr lang="en-US" baseline="30000" dirty="0" smtClean="0"/>
+              <a:t>rd</a:t>
+            </a:r>
+            <a:r>
+              <a:rPr lang="en-US" dirty="0" smtClean="0"/>
+              <a:t> party libraries </a:t>
+            </a:r>
+            <a:endParaRPr lang="en-US" dirty="0" smtClean="0"/>
           </a:p>
           <a:p>
             <a:pPr lvl="1" indent="0">
@@ -4482,37 +4920,6 @@
             <a:r>
               <a:rPr lang="en-US" sz="1200" dirty="0" smtClean="0"/>
               <a:t>* inclusive of various roles and views</a:t>
-            </a:r>
-            <a:endParaRPr lang="en-US" dirty="0"/>
-          </a:p>
-        </p:txBody>
-      </p:sp>
-      <p:sp>
-        <p:nvSpPr>
-          <p:cNvPr id="2" name="Footer Placeholder 1"/>
-          <p:cNvSpPr>
-            <a:spLocks noGrp="1"/>
-          </p:cNvSpPr>
-          <p:nvPr>
-            <p:ph type="ftr" sz="quarter" idx="11"/>
-          </p:nvPr>
-        </p:nvSpPr>
-        <p:spPr/>
-        <p:txBody>
-          <a:bodyPr/>
-          <a:lstStyle/>
-          <a:p>
-            <a:pPr fontAlgn="base">
-              <a:spcBef>
-                <a:spcPct val="0"/>
-              </a:spcBef>
-              <a:spcAft>
-                <a:spcPct val="0"/>
-              </a:spcAft>
-            </a:pPr>
-            <a:r>
-              <a:rPr lang="en-US" dirty="0" smtClean="0"/>
-              <a:t>Insert Presentation Title Here</a:t>
             </a:r>
             <a:endParaRPr lang="en-US" dirty="0"/>
           </a:p>
@@ -4549,7 +4956,7 @@
           </a:prstGeom>
           <a:noFill/>
           <a:extLst>
-            <a:ext uri="{909E8E84-426E-40DD-AFC4-6F175D3DCCD1}">
+            <a:ext uri="{909E8E84-426E-40dd-AFC4-6F175D3DCCD1}">
               <a14:hiddenFill xmlns:a14="http://schemas.microsoft.com/office/drawing/2010/main">
                 <a:solidFill>
                   <a:srgbClr val="FFFFFF"/>
@@ -4557,6 +4964,54 @@
               </a14:hiddenFill>
             </a:ext>
           </a:extLst>
+        </p:spPr>
+      </p:pic>
+      <p:pic>
+        <p:nvPicPr>
+          <p:cNvPr id="6" name="Picture 5"/>
+          <p:cNvPicPr>
+            <a:picLocks noChangeAspect="1"/>
+          </p:cNvPicPr>
+          <p:nvPr/>
+        </p:nvPicPr>
+        <p:blipFill>
+          <a:blip r:embed="rId4"/>
+          <a:stretch>
+            <a:fillRect/>
+          </a:stretch>
+        </p:blipFill>
+        <p:spPr>
+          <a:xfrm>
+            <a:off x="10277764" y="3588327"/>
+            <a:ext cx="1244600" cy="1553121"/>
+          </a:xfrm>
+          <a:prstGeom prst="rect">
+            <a:avLst/>
+          </a:prstGeom>
+        </p:spPr>
+      </p:pic>
+      <p:pic>
+        <p:nvPicPr>
+          <p:cNvPr id="7" name="Picture 6"/>
+          <p:cNvPicPr>
+            <a:picLocks noChangeAspect="1"/>
+          </p:cNvPicPr>
+          <p:nvPr/>
+        </p:nvPicPr>
+        <p:blipFill>
+          <a:blip r:embed="rId5"/>
+          <a:stretch>
+            <a:fillRect/>
+          </a:stretch>
+        </p:blipFill>
+        <p:spPr>
+          <a:xfrm>
+            <a:off x="9779000" y="227445"/>
+            <a:ext cx="2239818" cy="1381221"/>
+          </a:xfrm>
+          <a:prstGeom prst="rect">
+            <a:avLst/>
+          </a:prstGeom>
         </p:spPr>
       </p:pic>
     </p:spTree>
@@ -4572,7 +5027,7 @@
   <p:timing>
     <p:tnLst>
       <p:par>
-        <p:cTn id="1" dur="indefinite" restart="never" nodeType="tmRoot"/>
+        <p:cTn xmlns:p14="http://schemas.microsoft.com/office/powerpoint/2010/main" id="1" dur="indefinite" restart="never" nodeType="tmRoot"/>
       </p:par>
     </p:tnLst>
   </p:timing>
@@ -4766,37 +5221,6 @@
           </a:p>
         </p:txBody>
       </p:sp>
-      <p:sp>
-        <p:nvSpPr>
-          <p:cNvPr id="2" name="Footer Placeholder 1"/>
-          <p:cNvSpPr>
-            <a:spLocks noGrp="1"/>
-          </p:cNvSpPr>
-          <p:nvPr>
-            <p:ph type="ftr" sz="quarter" idx="11"/>
-          </p:nvPr>
-        </p:nvSpPr>
-        <p:spPr/>
-        <p:txBody>
-          <a:bodyPr/>
-          <a:lstStyle/>
-          <a:p>
-            <a:pPr fontAlgn="base">
-              <a:spcBef>
-                <a:spcPct val="0"/>
-              </a:spcBef>
-              <a:spcAft>
-                <a:spcPct val="0"/>
-              </a:spcAft>
-            </a:pPr>
-            <a:r>
-              <a:rPr lang="en-US" smtClean="0"/>
-              <a:t>Insert Presentation Title Here</a:t>
-            </a:r>
-            <a:endParaRPr lang="en-US" dirty="0"/>
-          </a:p>
-        </p:txBody>
-      </p:sp>
     </p:spTree>
     <p:extLst>
       <p:ext uri="{BB962C8B-B14F-4D97-AF65-F5344CB8AC3E}">
@@ -4810,7 +5234,7 @@
   <p:timing>
     <p:tnLst>
       <p:par>
-        <p:cTn id="1" dur="indefinite" restart="never" nodeType="tmRoot"/>
+        <p:cTn xmlns:p14="http://schemas.microsoft.com/office/powerpoint/2010/main" id="1" dur="indefinite" restart="never" nodeType="tmRoot"/>
       </p:par>
     </p:tnLst>
   </p:timing>
@@ -4844,7 +5268,12 @@
             <p:ph type="title"/>
           </p:nvPr>
         </p:nvSpPr>
-        <p:spPr/>
+        <p:spPr>
+          <a:xfrm>
+            <a:off x="365760" y="892787"/>
+            <a:ext cx="11530584" cy="538849"/>
+          </a:xfrm>
+        </p:spPr>
         <p:txBody>
           <a:bodyPr/>
           <a:lstStyle/>
@@ -4999,37 +5428,6 @@
           </a:p>
         </p:txBody>
       </p:sp>
-      <p:sp>
-        <p:nvSpPr>
-          <p:cNvPr id="2" name="Footer Placeholder 1"/>
-          <p:cNvSpPr>
-            <a:spLocks noGrp="1"/>
-          </p:cNvSpPr>
-          <p:nvPr>
-            <p:ph type="ftr" sz="quarter" idx="11"/>
-          </p:nvPr>
-        </p:nvSpPr>
-        <p:spPr/>
-        <p:txBody>
-          <a:bodyPr/>
-          <a:lstStyle/>
-          <a:p>
-            <a:pPr fontAlgn="base">
-              <a:spcBef>
-                <a:spcPct val="0"/>
-              </a:spcBef>
-              <a:spcAft>
-                <a:spcPct val="0"/>
-              </a:spcAft>
-            </a:pPr>
-            <a:r>
-              <a:rPr lang="en-US" smtClean="0"/>
-              <a:t>Insert Presentation Title Here</a:t>
-            </a:r>
-            <a:endParaRPr lang="en-US" dirty="0"/>
-          </a:p>
-        </p:txBody>
-      </p:sp>
       <p:graphicFrame>
         <p:nvGraphicFramePr>
           <p:cNvPr id="7" name="Table 6"/>
@@ -5039,27 +5437,27 @@
           <p:nvPr>
             <p:extLst>
               <p:ext uri="{D42A27DB-BD31-4B8C-83A1-F6EECF244321}">
-                <p14:modId xmlns:p14="http://schemas.microsoft.com/office/powerpoint/2010/main" val="3499634764"/>
+                <p14:modId xmlns:p14="http://schemas.microsoft.com/office/powerpoint/2010/main" val="712190604"/>
               </p:ext>
             </p:extLst>
           </p:nvPr>
         </p:nvGraphicFramePr>
         <p:xfrm>
-          <a:off x="365760" y="1479297"/>
-          <a:ext cx="11539728" cy="4236720"/>
+          <a:off x="376090" y="1476402"/>
+          <a:ext cx="11381436" cy="5943598"/>
         </p:xfrm>
         <a:graphic>
           <a:graphicData uri="http://schemas.openxmlformats.org/drawingml/2006/table">
             <a:tbl>
               <a:tblPr firstRow="1" bandRow="1">
-                <a:tableStyleId>{5C22544A-7EE6-4342-B048-85BDC9FD1C3A}</a:tableStyleId>
+                <a:tableStyleId>{073A0DAA-6AF3-43AB-8588-CEC1D06C72B9}</a:tableStyleId>
               </a:tblPr>
               <a:tblGrid>
-                <a:gridCol w="3846576"/>
-                <a:gridCol w="3846576"/>
-                <a:gridCol w="3846576"/>
+                <a:gridCol w="3793812"/>
+                <a:gridCol w="3793812"/>
+                <a:gridCol w="3793812"/>
               </a:tblGrid>
-              <a:tr h="264959">
+              <a:tr h="271377">
                 <a:tc>
                   <a:txBody>
                     <a:bodyPr/>
@@ -5103,7 +5501,7 @@
                   <a:tcPr/>
                 </a:tc>
               </a:tr>
-              <a:tr h="3593289">
+              <a:tr h="4903490">
                 <a:tc>
                   <a:txBody>
                     <a:bodyPr/>
@@ -5115,8 +5513,19 @@
                       </a:pPr>
                       <a:r>
                         <a:rPr lang="en-US" sz="1400" dirty="0" smtClean="0"/>
-                        <a:t>A “full” framework à la Spring</a:t>
+                        <a:t>A “full” framework à la </a:t>
                       </a:r>
+                      <a:r>
+                        <a:rPr lang="en-US" sz="1400" dirty="0" smtClean="0"/>
+                        <a:t>Spring</a:t>
+                      </a:r>
+                    </a:p>
+                    <a:p>
+                      <a:pPr marL="285750" indent="-285750">
+                        <a:buFont typeface="Arial" panose="020B0604020202020204" pitchFamily="34" charset="0"/>
+                        <a:buChar char="•"/>
+                      </a:pPr>
+                      <a:endParaRPr lang="en-US" sz="1400" dirty="0" smtClean="0"/>
                     </a:p>
                     <a:p>
                       <a:pPr marL="285750" indent="-285750">
@@ -5125,8 +5534,19 @@
                       </a:pPr>
                       <a:r>
                         <a:rPr lang="en-US" sz="1400" dirty="0" smtClean="0"/>
-                        <a:t>Moves more responsibility from the developer into the framework</a:t>
+                        <a:t>Moves more responsibility from the developer into the </a:t>
                       </a:r>
+                      <a:r>
+                        <a:rPr lang="en-US" sz="1400" dirty="0" smtClean="0"/>
+                        <a:t>framework</a:t>
+                      </a:r>
+                    </a:p>
+                    <a:p>
+                      <a:pPr marL="285750" indent="-285750">
+                        <a:buFont typeface="Arial" panose="020B0604020202020204" pitchFamily="34" charset="0"/>
+                        <a:buChar char="•"/>
+                      </a:pPr>
+                      <a:endParaRPr lang="en-US" sz="1400" dirty="0" smtClean="0"/>
                     </a:p>
                     <a:p>
                       <a:pPr marL="285750" indent="-285750">
@@ -5135,12 +5555,38 @@
                       </a:pPr>
                       <a:r>
                         <a:rPr lang="en-US" sz="1400" dirty="0" smtClean="0"/>
-                        <a:t>Two-way binding with change detection is big benefit</a:t>
+                        <a:t>Two-way binding with change detection is </a:t>
+                      </a:r>
+                      <a:r>
+                        <a:rPr lang="en-US" sz="1400" dirty="0" smtClean="0"/>
+                        <a:t>a</a:t>
                       </a:r>
                       <a:r>
                         <a:rPr lang="en-US" sz="1400" baseline="0" dirty="0" smtClean="0"/>
-                        <a:t> (but, beware)</a:t>
+                        <a:t> </a:t>
                       </a:r>
+                      <a:r>
+                        <a:rPr lang="en-US" sz="1400" dirty="0" smtClean="0"/>
+                        <a:t>big </a:t>
+                      </a:r>
+                      <a:r>
+                        <a:rPr lang="en-US" sz="1400" dirty="0" smtClean="0"/>
+                        <a:t>benefit</a:t>
+                      </a:r>
+                      <a:r>
+                        <a:rPr lang="en-US" sz="1400" baseline="0" dirty="0" smtClean="0"/>
+                        <a:t> (but, beware</a:t>
+                      </a:r>
+                      <a:r>
+                        <a:rPr lang="en-US" sz="1400" baseline="0" dirty="0" smtClean="0"/>
+                        <a:t>)</a:t>
+                      </a:r>
+                    </a:p>
+                    <a:p>
+                      <a:pPr marL="285750" indent="-285750">
+                        <a:buFont typeface="Arial" panose="020B0604020202020204" pitchFamily="34" charset="0"/>
+                        <a:buChar char="•"/>
+                      </a:pPr>
                       <a:endParaRPr lang="en-US" sz="1400" dirty="0" smtClean="0"/>
                     </a:p>
                     <a:p>
@@ -5158,9 +5604,20 @@
                         <a:buFont typeface="Arial" panose="020B0604020202020204" pitchFamily="34" charset="0"/>
                         <a:buChar char="•"/>
                       </a:pPr>
+                      <a:endParaRPr lang="en-US" sz="1400" dirty="0" smtClean="0"/>
+                    </a:p>
+                    <a:p>
+                      <a:pPr marL="285750" indent="-285750">
+                        <a:buFont typeface="Arial" panose="020B0604020202020204" pitchFamily="34" charset="0"/>
+                        <a:buChar char="•"/>
+                      </a:pPr>
                       <a:r>
                         <a:rPr lang="en-US" sz="1400" dirty="0" smtClean="0"/>
-                        <a:t>Convention based and prescribes an application structure and other aspects - </a:t>
+                        <a:t>Convention </a:t>
+                      </a:r>
+                      <a:r>
+                        <a:rPr lang="en-US" sz="1400" dirty="0" smtClean="0"/>
+                        <a:t>based and prescribes an application structure and other aspects - </a:t>
                       </a:r>
                       <a:r>
                         <a:rPr lang="en-US" sz="1400" dirty="0" smtClean="0">
@@ -5171,41 +5628,48 @@
                       <a:endParaRPr lang="en-US" sz="1400" dirty="0" smtClean="0"/>
                     </a:p>
                     <a:p>
-                      <a:pPr marL="285750" indent="-285750">
+                      <a:pPr marL="285750" marR="0" indent="-285750" algn="l" defTabSz="914400" rtl="0" eaLnBrk="1" fontAlgn="auto" latinLnBrk="0" hangingPunct="1">
+                        <a:lnSpc>
+                          <a:spcPct val="100000"/>
+                        </a:lnSpc>
+                        <a:spcBef>
+                          <a:spcPts val="0"/>
+                        </a:spcBef>
+                        <a:spcAft>
+                          <a:spcPts val="0"/>
+                        </a:spcAft>
+                        <a:buClrTx/>
+                        <a:buSzTx/>
                         <a:buFont typeface="Arial" panose="020B0604020202020204" pitchFamily="34" charset="0"/>
                         <a:buChar char="•"/>
-                      </a:pPr>
-                      <a:r>
-                        <a:rPr lang="en-US" sz="1400" dirty="0" smtClean="0"/>
-                        <a:t>Testability, test harness, and the Command-Line Interface (CLI)</a:t>
-                      </a:r>
-                    </a:p>
-                    <a:p>
-                      <a:pPr marL="285750" indent="-285750">
-                        <a:buFont typeface="Arial" panose="020B0604020202020204" pitchFamily="34" charset="0"/>
-                        <a:buChar char="•"/>
+                        <a:tabLst/>
+                        <a:defRPr/>
                       </a:pPr>
                       <a:endParaRPr lang="en-US" sz="1400" dirty="0" smtClean="0"/>
                     </a:p>
                     <a:p>
-                      <a:endParaRPr lang="en-US" sz="1400" dirty="0" smtClean="0"/>
-                    </a:p>
-                    <a:p>
+                      <a:pPr marL="285750" marR="0" indent="-285750" algn="l" defTabSz="914400" rtl="0" eaLnBrk="1" fontAlgn="auto" latinLnBrk="0" hangingPunct="1">
+                        <a:lnSpc>
+                          <a:spcPct val="100000"/>
+                        </a:lnSpc>
+                        <a:spcBef>
+                          <a:spcPts val="0"/>
+                        </a:spcBef>
+                        <a:spcAft>
+                          <a:spcPts val="0"/>
+                        </a:spcAft>
+                        <a:buClrTx/>
+                        <a:buSzTx/>
+                        <a:buFont typeface="Arial" panose="020B0604020202020204" pitchFamily="34" charset="0"/>
+                        <a:buChar char="•"/>
+                        <a:tabLst/>
+                        <a:defRPr/>
+                      </a:pPr>
                       <a:r>
                         <a:rPr lang="en-US" sz="1400" dirty="0" smtClean="0"/>
-                        <a:t>Less custom-coding</a:t>
+                        <a:t>Angular CLI - Command line tools: create app, add components and tests, build then instantly deploy.</a:t>
                       </a:r>
-                    </a:p>
-                    <a:p>
-                      <a:r>
-                        <a:rPr lang="en-US" sz="1400" dirty="0" smtClean="0"/>
-                        <a:t>Less boilerplate</a:t>
-                      </a:r>
-                      <a:r>
-                        <a:rPr lang="en-US" sz="1400" baseline="0" dirty="0" smtClean="0"/>
-                        <a:t> code</a:t>
-                      </a:r>
-                      <a:endParaRPr lang="en-US" sz="1400" dirty="0"/>
+                      <a:endParaRPr lang="en-US" sz="1400" dirty="0" smtClean="0"/>
                     </a:p>
                   </a:txBody>
                   <a:tcPr/>
@@ -5220,16 +5684,159 @@
                         <a:buChar char="•"/>
                       </a:pPr>
                       <a:r>
+                        <a:rPr lang="en-US" sz="1400" dirty="0" smtClean="0"/>
+                        <a:t>Angular 2 applications are written</a:t>
+                      </a:r>
+                      <a:r>
+                        <a:rPr lang="en-US" sz="1400" baseline="0" dirty="0" smtClean="0"/>
+                        <a:t> in </a:t>
+                      </a:r>
+                      <a:r>
+                        <a:rPr lang="en-US" sz="1400" baseline="0" dirty="0" err="1" smtClean="0"/>
+                        <a:t>TypeScript</a:t>
+                      </a:r>
+                      <a:r>
+                        <a:rPr lang="en-US" sz="1400" baseline="0" dirty="0" smtClean="0"/>
+                        <a:t>. In fact, Angular 2 itself is written in </a:t>
+                      </a:r>
+                      <a:r>
+                        <a:rPr lang="en-US" sz="1400" baseline="0" dirty="0" err="1" smtClean="0"/>
+                        <a:t>TypeScript</a:t>
+                      </a:r>
+                      <a:r>
+                        <a:rPr lang="en-US" sz="1400" baseline="0" dirty="0" smtClean="0"/>
+                        <a:t>. </a:t>
+                      </a:r>
+                    </a:p>
+                    <a:p>
+                      <a:pPr marL="285750" indent="-285750">
+                        <a:buFont typeface="Arial" panose="020B0604020202020204" pitchFamily="34" charset="0"/>
+                        <a:buChar char="•"/>
+                      </a:pPr>
+                      <a:endParaRPr lang="en-US" sz="1400" dirty="0" smtClean="0"/>
+                    </a:p>
+                    <a:p>
+                      <a:pPr marL="285750" marR="0" indent="-285750" algn="l" defTabSz="914400" rtl="0" eaLnBrk="1" fontAlgn="auto" latinLnBrk="0" hangingPunct="1">
+                        <a:lnSpc>
+                          <a:spcPct val="100000"/>
+                        </a:lnSpc>
+                        <a:spcBef>
+                          <a:spcPts val="0"/>
+                        </a:spcBef>
+                        <a:spcAft>
+                          <a:spcPts val="0"/>
+                        </a:spcAft>
+                        <a:buClrTx/>
+                        <a:buSzTx/>
+                        <a:buFont typeface="Arial" panose="020B0604020202020204" pitchFamily="34" charset="0"/>
+                        <a:buChar char="•"/>
+                        <a:tabLst/>
+                        <a:defRPr/>
+                      </a:pPr>
+                      <a:r>
                         <a:rPr lang="en-US" sz="1400" dirty="0" err="1" smtClean="0"/>
                         <a:t>TypeScript</a:t>
                       </a:r>
                       <a:r>
                         <a:rPr lang="en-US" sz="1400" dirty="0" smtClean="0"/>
-                        <a:t> brings in object-oriented  JavaScript. Java developers will pickup faster.</a:t>
+                        <a:t> is object</a:t>
+                      </a:r>
+                      <a:r>
+                        <a:rPr lang="en-US" sz="1400" dirty="0" smtClean="0"/>
+                        <a:t>-oriented </a:t>
+                      </a:r>
+                      <a:r>
+                        <a:rPr lang="en-US" sz="1400" dirty="0" smtClean="0"/>
+                        <a:t>JavaScript with</a:t>
+                      </a:r>
+                      <a:r>
+                        <a:rPr lang="en-US" sz="1400" baseline="0" dirty="0" smtClean="0"/>
+                        <a:t> strong types</a:t>
+                      </a:r>
+                      <a:r>
+                        <a:rPr lang="en-US" sz="1400" dirty="0" smtClean="0"/>
+                        <a:t>.</a:t>
+                      </a:r>
+                      <a:r>
+                        <a:rPr lang="en-US" sz="1400" baseline="0" dirty="0" smtClean="0"/>
+                        <a:t> </a:t>
+                      </a:r>
+                      <a:r>
+                        <a:rPr lang="en-US" sz="1400" dirty="0" smtClean="0"/>
+                        <a:t>Easier-to-learn</a:t>
+                      </a:r>
+                      <a:r>
+                        <a:rPr lang="en-US" sz="1400" baseline="0" dirty="0" smtClean="0"/>
+                        <a:t> for non-UI/JavaScript developers.</a:t>
                       </a:r>
                     </a:p>
                     <a:p>
-                      <a:pPr marL="742950" lvl="1" indent="-285750">
+                      <a:pPr marL="285750" marR="0" indent="-285750" algn="l" defTabSz="914400" rtl="0" eaLnBrk="1" fontAlgn="auto" latinLnBrk="0" hangingPunct="1">
+                        <a:lnSpc>
+                          <a:spcPct val="100000"/>
+                        </a:lnSpc>
+                        <a:spcBef>
+                          <a:spcPts val="0"/>
+                        </a:spcBef>
+                        <a:spcAft>
+                          <a:spcPts val="0"/>
+                        </a:spcAft>
+                        <a:buClrTx/>
+                        <a:buSzTx/>
+                        <a:buFont typeface="Arial" panose="020B0604020202020204" pitchFamily="34" charset="0"/>
+                        <a:buChar char="•"/>
+                        <a:tabLst/>
+                        <a:defRPr/>
+                      </a:pPr>
+                      <a:endParaRPr lang="en-US" sz="1400" baseline="0" dirty="0" smtClean="0"/>
+                    </a:p>
+                    <a:p>
+                      <a:pPr marL="285750" marR="0" indent="-285750" algn="l" defTabSz="914400" rtl="0" eaLnBrk="1" fontAlgn="auto" latinLnBrk="0" hangingPunct="1">
+                        <a:lnSpc>
+                          <a:spcPct val="100000"/>
+                        </a:lnSpc>
+                        <a:spcBef>
+                          <a:spcPts val="0"/>
+                        </a:spcBef>
+                        <a:spcAft>
+                          <a:spcPts val="0"/>
+                        </a:spcAft>
+                        <a:buClrTx/>
+                        <a:buSzTx/>
+                        <a:buFont typeface="Arial" panose="020B0604020202020204" pitchFamily="34" charset="0"/>
+                        <a:buChar char="•"/>
+                        <a:tabLst/>
+                        <a:defRPr/>
+                      </a:pPr>
+                      <a:r>
+                        <a:rPr lang="en-US" sz="1400" baseline="0" dirty="0" smtClean="0"/>
+                        <a:t>Typescript code is </a:t>
+                      </a:r>
+                      <a:r>
+                        <a:rPr lang="en-US" sz="1400" baseline="0" dirty="0" err="1" smtClean="0"/>
+                        <a:t>transpiled</a:t>
+                      </a:r>
+                      <a:r>
+                        <a:rPr lang="en-US" sz="1400" baseline="0" dirty="0" smtClean="0"/>
+                        <a:t> to JavaScript during build and can be targeted to ES5/ES6 JavaScript. </a:t>
+                      </a:r>
+                    </a:p>
+                    <a:p>
+                      <a:pPr marL="285750" indent="-285750">
+                        <a:buFont typeface="Arial" panose="020B0604020202020204" pitchFamily="34" charset="0"/>
+                        <a:buChar char="•"/>
+                      </a:pPr>
+                      <a:endParaRPr lang="en-US" sz="1400" dirty="0" smtClean="0"/>
+                    </a:p>
+                    <a:p>
+                      <a:pPr marL="285750" lvl="0" indent="-285750">
+                        <a:buFont typeface="Arial" panose="020B0604020202020204" pitchFamily="34" charset="0"/>
+                        <a:buChar char="•"/>
+                      </a:pPr>
+                      <a:endParaRPr lang="en-US" sz="1400" dirty="0" smtClean="0"/>
+                    </a:p>
+                    <a:p>
+                      <a:pPr marL="285750" lvl="0" indent="-285750">
                         <a:buFont typeface="Arial" panose="020B0604020202020204" pitchFamily="34" charset="0"/>
                         <a:buChar char="•"/>
                       </a:pPr>
@@ -5265,54 +5872,13 @@
                       </a:r>
                       <a:r>
                         <a:rPr lang="en-US" sz="1400" dirty="0" smtClean="0"/>
-                        <a:t> most loved language! </a:t>
+                        <a:t> most loved language</a:t>
                       </a:r>
-                    </a:p>
-                    <a:p>
-                      <a:endParaRPr lang="en-US" sz="1400" dirty="0" smtClean="0"/>
-                    </a:p>
-                    <a:p>
-                      <a:endParaRPr lang="en-US" sz="1400" dirty="0" smtClean="0"/>
-                    </a:p>
-                    <a:p>
-                      <a:endParaRPr lang="en-US" sz="1400" dirty="0" smtClean="0"/>
-                    </a:p>
-                    <a:p>
                       <a:r>
                         <a:rPr lang="en-US" sz="1400" dirty="0" smtClean="0"/>
-                        <a:t>Easier-to-learn</a:t>
+                        <a:t>!</a:t>
                       </a:r>
-                      <a:r>
-                        <a:rPr lang="en-US" sz="1400" baseline="0" dirty="0" smtClean="0"/>
-                        <a:t> for non-UI developers</a:t>
-                      </a:r>
-                    </a:p>
-                    <a:p>
-                      <a:r>
-                        <a:rPr lang="en-US" sz="1400" baseline="0" dirty="0" smtClean="0"/>
-                        <a:t>Object-oriented concept allows for type-safety</a:t>
-                      </a:r>
-                    </a:p>
-                    <a:p>
-                      <a:r>
-                        <a:rPr lang="en-US" sz="1400" baseline="0" dirty="0" err="1" smtClean="0"/>
-                        <a:t>TypeScript</a:t>
-                      </a:r>
-                      <a:r>
-                        <a:rPr lang="en-US" sz="1400" baseline="0" dirty="0" smtClean="0"/>
-                        <a:t> can be </a:t>
-                      </a:r>
-                      <a:r>
-                        <a:rPr lang="en-US" sz="1400" baseline="0" dirty="0" err="1" smtClean="0"/>
-                        <a:t>transpiled</a:t>
-                      </a:r>
-                      <a:r>
-                        <a:rPr lang="en-US" sz="1400" baseline="0" dirty="0" smtClean="0"/>
-                        <a:t> into ES5 or ES6 compliant browsers</a:t>
-                      </a:r>
-                    </a:p>
-                    <a:p>
-                      <a:endParaRPr lang="en-US" sz="1400" dirty="0"/>
+                      <a:endParaRPr lang="en-US" sz="1400" dirty="0" smtClean="0"/>
                     </a:p>
                   </a:txBody>
                   <a:tcPr/>
@@ -5346,8 +5912,19 @@
                       </a:r>
                       <a:r>
                         <a:rPr lang="en-US" sz="1400" dirty="0" smtClean="0"/>
-                        <a:t>is mostly focused on Angular 2 at this point</a:t>
+                        <a:t>is mostly focused on Angular 2 at this </a:t>
                       </a:r>
+                      <a:r>
+                        <a:rPr lang="en-US" sz="1400" dirty="0" smtClean="0"/>
+                        <a:t>point</a:t>
+                      </a:r>
+                    </a:p>
+                    <a:p>
+                      <a:pPr marL="285750" indent="-285750">
+                        <a:buFont typeface="Arial" panose="020B0604020202020204" pitchFamily="34" charset="0"/>
+                        <a:buChar char="•"/>
+                      </a:pPr>
+                      <a:endParaRPr lang="en-US" sz="1400" dirty="0" smtClean="0"/>
                     </a:p>
                     <a:p>
                       <a:pPr marL="285750" indent="-285750">
@@ -5356,8 +5933,160 @@
                       </a:pPr>
                       <a:r>
                         <a:rPr lang="en-US" sz="1400" dirty="0" smtClean="0"/>
-                        <a:t>Google Trends show growing overall interest</a:t>
+                        <a:t>Growing</a:t>
                       </a:r>
+                      <a:r>
+                        <a:rPr lang="en-US" sz="1400" baseline="0" dirty="0" smtClean="0"/>
+                        <a:t> i</a:t>
+                      </a:r>
+                      <a:r>
+                        <a:rPr lang="en-US" sz="1400" dirty="0" smtClean="0"/>
+                        <a:t>nterest for Angular</a:t>
+                      </a:r>
+                      <a:br>
+                        <a:rPr lang="en-US" sz="1400" dirty="0" smtClean="0"/>
+                      </a:br>
+                      <a:r>
+                        <a:rPr lang="en-US" sz="1400" dirty="0" smtClean="0"/>
+                        <a:t/>
+                      </a:r>
+                      <a:br>
+                        <a:rPr lang="en-US" sz="1400" dirty="0" smtClean="0"/>
+                      </a:br>
+                      <a:r>
+                        <a:rPr lang="en-US" sz="1400" dirty="0" smtClean="0"/>
+                        <a:t/>
+                      </a:r>
+                      <a:br>
+                        <a:rPr lang="en-US" sz="1400" dirty="0" smtClean="0"/>
+                      </a:br>
+                      <a:r>
+                        <a:rPr lang="en-US" sz="1400" dirty="0" smtClean="0"/>
+                        <a:t/>
+                      </a:r>
+                      <a:br>
+                        <a:rPr lang="en-US" sz="1400" dirty="0" smtClean="0"/>
+                      </a:br>
+                      <a:r>
+                        <a:rPr lang="en-US" sz="1400" dirty="0" smtClean="0"/>
+                        <a:t/>
+                      </a:r>
+                      <a:br>
+                        <a:rPr lang="en-US" sz="1400" dirty="0" smtClean="0"/>
+                      </a:br>
+                      <a:r>
+                        <a:rPr lang="en-US" sz="1400" dirty="0" smtClean="0"/>
+                        <a:t/>
+                      </a:r>
+                      <a:br>
+                        <a:rPr lang="en-US" sz="1400" dirty="0" smtClean="0"/>
+                      </a:br>
+                      <a:r>
+                        <a:rPr lang="en-US" sz="1400" dirty="0" smtClean="0"/>
+                        <a:t/>
+                      </a:r>
+                      <a:br>
+                        <a:rPr lang="en-US" sz="1400" dirty="0" smtClean="0"/>
+                      </a:br>
+                      <a:endParaRPr lang="en-US" sz="1400" dirty="0" smtClean="0"/>
+                    </a:p>
+                    <a:p>
+                      <a:pPr marL="285750" marR="0" indent="-285750" algn="l" defTabSz="914400" rtl="0" eaLnBrk="1" fontAlgn="auto" latinLnBrk="0" hangingPunct="1">
+                        <a:lnSpc>
+                          <a:spcPct val="100000"/>
+                        </a:lnSpc>
+                        <a:spcBef>
+                          <a:spcPts val="0"/>
+                        </a:spcBef>
+                        <a:spcAft>
+                          <a:spcPts val="0"/>
+                        </a:spcAft>
+                        <a:buClrTx/>
+                        <a:buSzTx/>
+                        <a:buFont typeface="Arial" panose="020B0604020202020204" pitchFamily="34" charset="0"/>
+                        <a:buChar char="•"/>
+                        <a:tabLst/>
+                        <a:defRPr/>
+                      </a:pPr>
+                      <a:endParaRPr lang="en-US" sz="1400" dirty="0" smtClean="0"/>
+                    </a:p>
+                    <a:p>
+                      <a:pPr marL="285750" marR="0" indent="-285750" algn="l" defTabSz="914400" rtl="0" eaLnBrk="1" fontAlgn="auto" latinLnBrk="0" hangingPunct="1">
+                        <a:lnSpc>
+                          <a:spcPct val="100000"/>
+                        </a:lnSpc>
+                        <a:spcBef>
+                          <a:spcPts val="0"/>
+                        </a:spcBef>
+                        <a:spcAft>
+                          <a:spcPts val="0"/>
+                        </a:spcAft>
+                        <a:buClrTx/>
+                        <a:buSzTx/>
+                        <a:buFont typeface="Arial" panose="020B0604020202020204" pitchFamily="34" charset="0"/>
+                        <a:buChar char="•"/>
+                        <a:tabLst/>
+                        <a:defRPr/>
+                      </a:pPr>
+                      <a:endParaRPr lang="en-US" sz="1400" dirty="0" smtClean="0"/>
+                    </a:p>
+                    <a:p>
+                      <a:pPr marL="285750" marR="0" indent="-285750" algn="l" defTabSz="914400" rtl="0" eaLnBrk="1" fontAlgn="auto" latinLnBrk="0" hangingPunct="1">
+                        <a:lnSpc>
+                          <a:spcPct val="100000"/>
+                        </a:lnSpc>
+                        <a:spcBef>
+                          <a:spcPts val="0"/>
+                        </a:spcBef>
+                        <a:spcAft>
+                          <a:spcPts val="0"/>
+                        </a:spcAft>
+                        <a:buClrTx/>
+                        <a:buSzTx/>
+                        <a:buFont typeface="Arial" panose="020B0604020202020204" pitchFamily="34" charset="0"/>
+                        <a:buChar char="•"/>
+                        <a:tabLst/>
+                        <a:defRPr/>
+                      </a:pPr>
+                      <a:r>
+                        <a:rPr lang="en-US" sz="1400" dirty="0" smtClean="0"/>
+                        <a:t>Pace </a:t>
+                      </a:r>
+                      <a:r>
+                        <a:rPr lang="en-US" sz="1400" dirty="0" smtClean="0"/>
+                        <a:t>of enhancements and releases by</a:t>
+                      </a:r>
+                      <a:r>
+                        <a:rPr lang="en-US" sz="1400" baseline="0" dirty="0" smtClean="0"/>
+                        <a:t> </a:t>
+                      </a:r>
+                      <a:r>
+                        <a:rPr lang="en-US" sz="1400" baseline="0" dirty="0" err="1" smtClean="0"/>
+                        <a:t>Angular.io</a:t>
+                      </a:r>
+                      <a:r>
+                        <a:rPr lang="en-US" sz="1400" baseline="0" dirty="0" smtClean="0"/>
+                        <a:t> is </a:t>
+                      </a:r>
+                      <a:r>
+                        <a:rPr lang="en-US" sz="1400" baseline="0" dirty="0" smtClean="0"/>
+                        <a:t>fast. Angular 4 is out, only 6 months after Angular 2.</a:t>
+                      </a:r>
+                      <a:endParaRPr lang="en-US" sz="1400" dirty="0" smtClean="0"/>
+                    </a:p>
+                    <a:p>
+                      <a:pPr marL="285750" indent="-285750">
+                        <a:buFont typeface="Arial" panose="020B0604020202020204" pitchFamily="34" charset="0"/>
+                        <a:buChar char="•"/>
+                      </a:pPr>
+                      <a:endParaRPr lang="en-US" sz="1400" dirty="0" smtClean="0"/>
+                    </a:p>
+                    <a:p>
+                      <a:pPr marL="285750" indent="-285750">
+                        <a:buFont typeface="Arial" panose="020B0604020202020204" pitchFamily="34" charset="0"/>
+                        <a:buChar char="•"/>
+                      </a:pPr>
+                      <a:endParaRPr lang="en-US" sz="1400" dirty="0" smtClean="0"/>
                     </a:p>
                     <a:p>
                       <a:pPr marL="285750" indent="-285750">
@@ -5398,17 +6127,6 @@
                       <a:endParaRPr lang="en-US" sz="1400" dirty="0" smtClean="0"/>
                     </a:p>
                     <a:p>
-                      <a:r>
-                        <a:rPr lang="en-US" sz="1400" dirty="0" smtClean="0"/>
-                        <a:t>Pace of enhancements and releases by</a:t>
-                      </a:r>
-                      <a:r>
-                        <a:rPr lang="en-US" sz="1400" baseline="0" dirty="0" smtClean="0"/>
-                        <a:t> Angular.io is fast</a:t>
-                      </a:r>
-                      <a:endParaRPr lang="en-US" sz="1400" dirty="0" smtClean="0"/>
-                    </a:p>
-                    <a:p>
                       <a:endParaRPr lang="en-US" sz="1400" dirty="0"/>
                     </a:p>
                   </a:txBody>
@@ -5442,7 +6160,7 @@
         </p:blipFill>
         <p:spPr bwMode="auto">
           <a:xfrm>
-            <a:off x="10656916" y="172841"/>
+            <a:off x="10656916" y="149751"/>
             <a:ext cx="1647710" cy="1647710"/>
           </a:xfrm>
           <a:prstGeom prst="rect">
@@ -5450,7 +6168,7 @@
           </a:prstGeom>
           <a:noFill/>
           <a:extLst>
-            <a:ext uri="{909E8E84-426E-40DD-AFC4-6F175D3DCCD1}">
+            <a:ext uri="{909E8E84-426E-40dd-AFC4-6F175D3DCCD1}">
               <a14:hiddenFill xmlns:a14="http://schemas.microsoft.com/office/drawing/2010/main">
                 <a:solidFill>
                   <a:srgbClr val="FFFFFF"/>
@@ -5458,6 +6176,30 @@
               </a14:hiddenFill>
             </a:ext>
           </a:extLst>
+        </p:spPr>
+      </p:pic>
+      <p:pic>
+        <p:nvPicPr>
+          <p:cNvPr id="3" name="Picture 2"/>
+          <p:cNvPicPr>
+            <a:picLocks noChangeAspect="1"/>
+          </p:cNvPicPr>
+          <p:nvPr/>
+        </p:nvPicPr>
+        <p:blipFill>
+          <a:blip r:embed="rId7"/>
+          <a:stretch>
+            <a:fillRect/>
+          </a:stretch>
+        </p:blipFill>
+        <p:spPr>
+          <a:xfrm>
+            <a:off x="8458199" y="3233091"/>
+            <a:ext cx="2890982" cy="1308727"/>
+          </a:xfrm>
+          <a:prstGeom prst="rect">
+            <a:avLst/>
+          </a:prstGeom>
         </p:spPr>
       </p:pic>
     </p:spTree>
@@ -5473,7 +6215,7 @@
   <p:timing>
     <p:tnLst>
       <p:par>
-        <p:cTn id="1" dur="indefinite" restart="never" nodeType="tmRoot"/>
+        <p:cTn xmlns:p14="http://schemas.microsoft.com/office/powerpoint/2010/main" id="1" dur="indefinite" restart="never" nodeType="tmRoot"/>
       </p:par>
     </p:tnLst>
   </p:timing>
@@ -5530,7 +6272,12 @@
             <p:ph idx="1"/>
           </p:nvPr>
         </p:nvSpPr>
-        <p:spPr/>
+        <p:spPr>
+          <a:xfrm>
+            <a:off x="365760" y="1637330"/>
+            <a:ext cx="11539728" cy="4517136"/>
+          </a:xfrm>
+        </p:spPr>
         <p:txBody>
           <a:bodyPr/>
           <a:lstStyle/>
@@ -5541,16 +6288,67 @@
             </a:pPr>
             <a:r>
               <a:rPr lang="en-US" dirty="0" smtClean="0"/>
-              <a:t>New Loan Delivery functionality (</a:t>
+              <a:t>Evaluate/Prototype (Crawl?)</a:t>
+            </a:r>
+            <a:endParaRPr lang="en-US" dirty="0" smtClean="0"/>
+          </a:p>
+          <a:p>
+            <a:pPr marL="742950" lvl="1" indent="-285750">
+              <a:buFont typeface="Arial" panose="020B0604020202020204" pitchFamily="34" charset="0"/>
+              <a:buChar char="•"/>
+            </a:pPr>
+            <a:r>
+              <a:rPr lang="en-US" dirty="0" smtClean="0"/>
+              <a:t>to assess feasibility of a hybrid Backbone and Angular app</a:t>
+            </a:r>
+          </a:p>
+          <a:p>
+            <a:pPr marL="742950" lvl="1" indent="-285750">
+              <a:buFont typeface="Arial" panose="020B0604020202020204" pitchFamily="34" charset="0"/>
+              <a:buChar char="•"/>
+            </a:pPr>
+            <a:r>
+              <a:rPr lang="en-US" dirty="0" smtClean="0"/>
+              <a:t>Angular 2 was not GA, but was in the final RC stages. We assessed  when we would </a:t>
+            </a:r>
+            <a:r>
+              <a:rPr lang="en-US" dirty="0" smtClean="0"/>
+              <a:t>start</a:t>
+            </a:r>
+          </a:p>
+          <a:p>
+            <a:pPr marL="742950" lvl="1" indent="-285750">
+              <a:buFont typeface="Arial" panose="020B0604020202020204" pitchFamily="34" charset="0"/>
+              <a:buChar char="•"/>
+            </a:pPr>
+            <a:r>
+              <a:rPr lang="en-US" dirty="0" smtClean="0"/>
+              <a:t>Switched to </a:t>
             </a:r>
             <a:r>
               <a:rPr lang="en-US" dirty="0" err="1" smtClean="0"/>
-              <a:t>Baliee</a:t>
+              <a:t>IntelliJ</a:t>
             </a:r>
             <a:r>
               <a:rPr lang="en-US" dirty="0" smtClean="0"/>
-              <a:t> and ASAP Plus) will be developed with Angular 2</a:t>
-            </a:r>
+              <a:t> </a:t>
+            </a:r>
+            <a:r>
+              <a:rPr lang="mr-IN" dirty="0" smtClean="0"/>
+              <a:t>–</a:t>
+            </a:r>
+            <a:r>
+              <a:rPr lang="en-US" dirty="0" smtClean="0"/>
+              <a:t> great Angular support</a:t>
+            </a:r>
+            <a:endParaRPr lang="en-US" dirty="0"/>
+          </a:p>
+          <a:p>
+            <a:pPr marL="742950" lvl="1" indent="-285750">
+              <a:buFont typeface="Arial" panose="020B0604020202020204" pitchFamily="34" charset="0"/>
+              <a:buChar char="•"/>
+            </a:pPr>
+            <a:endParaRPr lang="en-US" dirty="0" smtClean="0"/>
           </a:p>
           <a:p>
             <a:pPr marL="285750" indent="-285750">
@@ -5559,204 +6357,201 @@
             </a:pPr>
             <a:r>
               <a:rPr lang="en-US" dirty="0" smtClean="0"/>
-              <a:t>Look and Feel will be the same(</a:t>
+              <a:t>Introduce (Walk?)</a:t>
+            </a:r>
+            <a:endParaRPr lang="en-US" dirty="0" smtClean="0"/>
+          </a:p>
+          <a:p>
+            <a:pPr marL="742950" lvl="1" indent="-285750">
+              <a:buFont typeface="Arial" panose="020B0604020202020204" pitchFamily="34" charset="0"/>
+              <a:buChar char="•"/>
+            </a:pPr>
+            <a:r>
+              <a:rPr lang="en-US" dirty="0" smtClean="0"/>
+              <a:t>New Loan Delivery functionality (</a:t>
             </a:r>
             <a:r>
               <a:rPr lang="en-US" dirty="0" err="1" smtClean="0"/>
-              <a:t>ish</a:t>
+              <a:t>Baliee</a:t>
             </a:r>
             <a:r>
               <a:rPr lang="en-US" dirty="0" smtClean="0"/>
-              <a:t>)</a:t>
-            </a:r>
+              <a:t> and ASAP Plus) will be developed with Angular 2, with the same Look and Feel</a:t>
+            </a:r>
+          </a:p>
+          <a:p>
+            <a:pPr marL="742950" lvl="1" indent="-285750">
+              <a:buFont typeface="Arial" panose="020B0604020202020204" pitchFamily="34" charset="0"/>
+              <a:buChar char="•"/>
+            </a:pPr>
+            <a:r>
+              <a:rPr lang="en-US" dirty="0" smtClean="0"/>
+              <a:t>Started with 1 </a:t>
+            </a:r>
+            <a:r>
+              <a:rPr lang="en-US" dirty="0" smtClean="0"/>
+              <a:t>Scrum team started </a:t>
+            </a:r>
+            <a:r>
+              <a:rPr lang="en-US" dirty="0" smtClean="0"/>
+              <a:t>development with </a:t>
+            </a:r>
+            <a:r>
+              <a:rPr lang="en-US" dirty="0" smtClean="0"/>
+              <a:t>2 Angular stories </a:t>
+            </a:r>
+            <a:endParaRPr lang="en-US" dirty="0"/>
+          </a:p>
+          <a:p>
+            <a:pPr marL="742950" lvl="1" indent="-285750">
+              <a:buFont typeface="Arial" panose="020B0604020202020204" pitchFamily="34" charset="0"/>
+              <a:buChar char="•"/>
+            </a:pPr>
+            <a:r>
+              <a:rPr lang="en-US" dirty="0" smtClean="0"/>
+              <a:t>Other teams other </a:t>
+            </a:r>
+            <a:r>
+              <a:rPr lang="en-US" dirty="0"/>
+              <a:t>teams picked up </a:t>
+            </a:r>
+            <a:r>
+              <a:rPr lang="en-US" dirty="0" err="1" smtClean="0"/>
+              <a:t>quickl</a:t>
+            </a:r>
+            <a:endParaRPr lang="en-US" dirty="0"/>
+          </a:p>
+          <a:p>
+            <a:pPr lvl="1" indent="0">
+              <a:buNone/>
+            </a:pPr>
+            <a:endParaRPr lang="en-US" dirty="0"/>
           </a:p>
           <a:p>
             <a:pPr marL="285750" indent="-285750">
               <a:buFont typeface="Arial" panose="020B0604020202020204" pitchFamily="34" charset="0"/>
               <a:buChar char="•"/>
             </a:pPr>
+            <a:r>
+              <a:rPr lang="en-US" dirty="0" smtClean="0"/>
+              <a:t>Current State (Run?)</a:t>
+            </a:r>
+          </a:p>
+          <a:p>
+            <a:pPr marL="742950" lvl="1" indent="-285750">
+              <a:buFont typeface="Arial" panose="020B0604020202020204" pitchFamily="34" charset="0"/>
+              <a:buChar char="•"/>
+            </a:pPr>
+            <a:r>
+              <a:rPr lang="en-US" dirty="0" smtClean="0"/>
+              <a:t>Angular code is built, tested and deployed with CI/CD. Some days we have 5 builds to dev.</a:t>
+            </a:r>
             <a:endParaRPr lang="en-US" dirty="0"/>
+          </a:p>
+          <a:p>
+            <a:pPr marL="742950" lvl="1" indent="-285750">
+              <a:buFont typeface="Arial" panose="020B0604020202020204" pitchFamily="34" charset="0"/>
+              <a:buChar char="•"/>
+            </a:pPr>
+            <a:r>
+              <a:rPr lang="en-US" dirty="0" smtClean="0"/>
+              <a:t>Loan </a:t>
+            </a:r>
+            <a:r>
+              <a:rPr lang="en-US" dirty="0"/>
+              <a:t>Certification </a:t>
+            </a:r>
+            <a:r>
+              <a:rPr lang="en-US" dirty="0" smtClean="0"/>
+              <a:t>platform developed </a:t>
+            </a:r>
+            <a:r>
+              <a:rPr lang="en-US" dirty="0"/>
+              <a:t>with Angular </a:t>
+            </a:r>
+            <a:r>
+              <a:rPr lang="en-US" dirty="0" smtClean="0"/>
+              <a:t>2</a:t>
+            </a:r>
           </a:p>
           <a:p>
             <a:pPr marL="285750" indent="-285750">
               <a:buFont typeface="Arial" panose="020B0604020202020204" pitchFamily="34" charset="0"/>
               <a:buChar char="•"/>
             </a:pPr>
-            <a:endParaRPr lang="en-US" dirty="0" smtClean="0"/>
+            <a:endParaRPr lang="en-US" dirty="0"/>
           </a:p>
           <a:p>
             <a:pPr marL="285750" indent="-285750">
               <a:buFont typeface="Arial" panose="020B0604020202020204" pitchFamily="34" charset="0"/>
               <a:buChar char="•"/>
             </a:pPr>
-            <a:r>
-              <a:rPr lang="en-US" dirty="0"/>
-              <a:t>Loan Certification </a:t>
-            </a:r>
-            <a:r>
-              <a:rPr lang="en-US" dirty="0" smtClean="0"/>
-              <a:t>platform developed </a:t>
-            </a:r>
-            <a:r>
-              <a:rPr lang="en-US" dirty="0"/>
-              <a:t>with Angular </a:t>
-            </a:r>
-            <a:r>
-              <a:rPr lang="en-US" dirty="0" smtClean="0"/>
-              <a:t>2</a:t>
-            </a:r>
+            <a:endParaRPr lang="en-US" dirty="0"/>
+          </a:p>
+          <a:p>
+            <a:endParaRPr lang="en-US" dirty="0" smtClean="0"/>
           </a:p>
           <a:p>
             <a:pPr marL="285750" indent="-285750">
               <a:buFont typeface="Arial" panose="020B0604020202020204" pitchFamily="34" charset="0"/>
               <a:buChar char="•"/>
             </a:pPr>
-            <a:endParaRPr lang="en-US" dirty="0"/>
+            <a:endParaRPr lang="en-US" dirty="0" smtClean="0"/>
           </a:p>
           <a:p>
             <a:pPr marL="285750" indent="-285750">
               <a:buFont typeface="Arial" panose="020B0604020202020204" pitchFamily="34" charset="0"/>
               <a:buChar char="•"/>
             </a:pPr>
-            <a:r>
-              <a:rPr lang="en-US" b="1" dirty="0" smtClean="0">
-                <a:solidFill>
-                  <a:srgbClr val="FFFF00"/>
-                </a:solidFill>
-              </a:rPr>
-              <a:t>Demo of two screens and features</a:t>
-            </a:r>
+            <a:endParaRPr lang="en-US" dirty="0"/>
           </a:p>
           <a:p>
             <a:pPr marL="285750" indent="-285750">
               <a:buFont typeface="Arial" panose="020B0604020202020204" pitchFamily="34" charset="0"/>
               <a:buChar char="•"/>
             </a:pPr>
-            <a:r>
-              <a:rPr lang="en-US" b="1" dirty="0" smtClean="0">
-                <a:solidFill>
-                  <a:srgbClr val="FFFF00"/>
-                </a:solidFill>
-              </a:rPr>
-              <a:t>Metrics comparison of development time/effort/complexity – and richness of features</a:t>
-            </a:r>
+            <a:endParaRPr lang="en-US" dirty="0" smtClean="0"/>
+          </a:p>
+          <a:p>
+            <a:pPr marL="742950" lvl="1" indent="-285750">
+              <a:buFont typeface="Arial" panose="020B0604020202020204" pitchFamily="34" charset="0"/>
+              <a:buChar char="•"/>
+            </a:pPr>
+            <a:endParaRPr lang="en-US" dirty="0" smtClean="0"/>
+          </a:p>
+          <a:p>
+            <a:pPr marL="742950" lvl="1" indent="-285750">
+              <a:buFont typeface="Arial" panose="020B0604020202020204" pitchFamily="34" charset="0"/>
+              <a:buChar char="•"/>
+            </a:pPr>
+            <a:endParaRPr lang="en-US" dirty="0" smtClean="0"/>
+          </a:p>
+          <a:p>
+            <a:pPr marL="742950" lvl="1" indent="-285750">
+              <a:buFont typeface="Arial" panose="020B0604020202020204" pitchFamily="34" charset="0"/>
+              <a:buChar char="•"/>
+            </a:pPr>
+            <a:endParaRPr lang="en-US" dirty="0" smtClean="0"/>
+          </a:p>
+          <a:p>
+            <a:pPr marL="742950" lvl="1" indent="-285750">
+              <a:buFont typeface="Arial" panose="020B0604020202020204" pitchFamily="34" charset="0"/>
+              <a:buChar char="•"/>
+            </a:pPr>
+            <a:endParaRPr lang="en-US" dirty="0" smtClean="0"/>
           </a:p>
           <a:p>
             <a:pPr marL="285750" indent="-285750">
               <a:buFont typeface="Arial" panose="020B0604020202020204" pitchFamily="34" charset="0"/>
               <a:buChar char="•"/>
             </a:pPr>
-            <a:r>
-              <a:rPr lang="en-US" b="1" dirty="0" smtClean="0">
-                <a:solidFill>
-                  <a:srgbClr val="FFFF00"/>
-                </a:solidFill>
-              </a:rPr>
-              <a:t>Direct program timeline benefit </a:t>
-            </a:r>
+            <a:endParaRPr lang="en-US" dirty="0" smtClean="0"/>
           </a:p>
           <a:p>
             <a:pPr marL="285750" indent="-285750">
               <a:buFont typeface="Arial" panose="020B0604020202020204" pitchFamily="34" charset="0"/>
               <a:buChar char="•"/>
             </a:pPr>
-            <a:endParaRPr lang="en-US" dirty="0"/>
-          </a:p>
-          <a:p>
-            <a:endParaRPr lang="en-US" dirty="0" smtClean="0"/>
-          </a:p>
-          <a:p>
-            <a:pPr marL="285750" indent="-285750">
-              <a:buFont typeface="Arial" panose="020B0604020202020204" pitchFamily="34" charset="0"/>
-              <a:buChar char="•"/>
-            </a:pPr>
-            <a:endParaRPr lang="en-US" dirty="0" smtClean="0"/>
-          </a:p>
-          <a:p>
-            <a:pPr marL="285750" indent="-285750">
-              <a:buFont typeface="Arial" panose="020B0604020202020204" pitchFamily="34" charset="0"/>
-              <a:buChar char="•"/>
-            </a:pPr>
-            <a:endParaRPr lang="en-US" dirty="0"/>
-          </a:p>
-          <a:p>
-            <a:pPr marL="285750" indent="-285750">
-              <a:buFont typeface="Arial" panose="020B0604020202020204" pitchFamily="34" charset="0"/>
-              <a:buChar char="•"/>
-            </a:pPr>
-            <a:endParaRPr lang="en-US" dirty="0" smtClean="0"/>
-          </a:p>
-          <a:p>
-            <a:pPr marL="742950" lvl="1" indent="-285750">
-              <a:buFont typeface="Arial" panose="020B0604020202020204" pitchFamily="34" charset="0"/>
-              <a:buChar char="•"/>
-            </a:pPr>
-            <a:endParaRPr lang="en-US" dirty="0" smtClean="0"/>
-          </a:p>
-          <a:p>
-            <a:pPr marL="742950" lvl="1" indent="-285750">
-              <a:buFont typeface="Arial" panose="020B0604020202020204" pitchFamily="34" charset="0"/>
-              <a:buChar char="•"/>
-            </a:pPr>
-            <a:endParaRPr lang="en-US" dirty="0" smtClean="0"/>
-          </a:p>
-          <a:p>
-            <a:pPr marL="742950" lvl="1" indent="-285750">
-              <a:buFont typeface="Arial" panose="020B0604020202020204" pitchFamily="34" charset="0"/>
-              <a:buChar char="•"/>
-            </a:pPr>
-            <a:endParaRPr lang="en-US" dirty="0" smtClean="0"/>
-          </a:p>
-          <a:p>
-            <a:pPr marL="742950" lvl="1" indent="-285750">
-              <a:buFont typeface="Arial" panose="020B0604020202020204" pitchFamily="34" charset="0"/>
-              <a:buChar char="•"/>
-            </a:pPr>
-            <a:endParaRPr lang="en-US" dirty="0" smtClean="0"/>
-          </a:p>
-          <a:p>
-            <a:pPr marL="285750" indent="-285750">
-              <a:buFont typeface="Arial" panose="020B0604020202020204" pitchFamily="34" charset="0"/>
-              <a:buChar char="•"/>
-            </a:pPr>
-            <a:endParaRPr lang="en-US" dirty="0" smtClean="0"/>
-          </a:p>
-          <a:p>
-            <a:pPr marL="285750" indent="-285750">
-              <a:buFont typeface="Arial" panose="020B0604020202020204" pitchFamily="34" charset="0"/>
-              <a:buChar char="•"/>
-            </a:pPr>
-            <a:endParaRPr lang="en-US" dirty="0"/>
-          </a:p>
-        </p:txBody>
-      </p:sp>
-      <p:sp>
-        <p:nvSpPr>
-          <p:cNvPr id="2" name="Footer Placeholder 1"/>
-          <p:cNvSpPr>
-            <a:spLocks noGrp="1"/>
-          </p:cNvSpPr>
-          <p:nvPr>
-            <p:ph type="ftr" sz="quarter" idx="11"/>
-          </p:nvPr>
-        </p:nvSpPr>
-        <p:spPr/>
-        <p:txBody>
-          <a:bodyPr/>
-          <a:lstStyle/>
-          <a:p>
-            <a:pPr fontAlgn="base">
-              <a:spcBef>
-                <a:spcPct val="0"/>
-              </a:spcBef>
-              <a:spcAft>
-                <a:spcPct val="0"/>
-              </a:spcAft>
-            </a:pPr>
-            <a:r>
-              <a:rPr lang="en-US" smtClean="0"/>
-              <a:t>Insert Presentation Title Here</a:t>
-            </a:r>
             <a:endParaRPr lang="en-US" dirty="0"/>
           </a:p>
         </p:txBody>
@@ -5774,7 +6569,7 @@
   <p:timing>
     <p:tnLst>
       <p:par>
-        <p:cTn id="1" dur="indefinite" restart="never" nodeType="tmRoot"/>
+        <p:cTn xmlns:p14="http://schemas.microsoft.com/office/powerpoint/2010/main" id="1" dur="indefinite" restart="never" nodeType="tmRoot"/>
       </p:par>
     </p:tnLst>
   </p:timing>
@@ -5835,37 +6630,6 @@
           </a:p>
         </p:txBody>
       </p:sp>
-      <p:sp>
-        <p:nvSpPr>
-          <p:cNvPr id="4" name="Footer Placeholder 3"/>
-          <p:cNvSpPr>
-            <a:spLocks noGrp="1"/>
-          </p:cNvSpPr>
-          <p:nvPr>
-            <p:ph type="ftr" sz="quarter" idx="11"/>
-          </p:nvPr>
-        </p:nvSpPr>
-        <p:spPr/>
-        <p:txBody>
-          <a:bodyPr/>
-          <a:lstStyle/>
-          <a:p>
-            <a:pPr fontAlgn="base">
-              <a:spcBef>
-                <a:spcPct val="0"/>
-              </a:spcBef>
-              <a:spcAft>
-                <a:spcPct val="0"/>
-              </a:spcAft>
-            </a:pPr>
-            <a:r>
-              <a:rPr lang="en-US" smtClean="0"/>
-              <a:t>Insert Presentation Title Here</a:t>
-            </a:r>
-            <a:endParaRPr lang="en-US" dirty="0"/>
-          </a:p>
-        </p:txBody>
-      </p:sp>
       <p:graphicFrame>
         <p:nvGraphicFramePr>
           <p:cNvPr id="11" name="Chart 10"/>
@@ -5886,7 +6650,7 @@
         </p:xfrm>
         <a:graphic>
           <a:graphicData uri="http://schemas.openxmlformats.org/drawingml/2006/chart">
-            <c:chart xmlns:c="http://schemas.openxmlformats.org/drawingml/2006/chart" xmlns:r="http://schemas.openxmlformats.org/officeDocument/2006/relationships" r:id="rId2"/>
+            <c:chart xmlns:c="http://schemas.openxmlformats.org/drawingml/2006/chart" xmlns:r="http://schemas.openxmlformats.org/officeDocument/2006/relationships" r:id="rId3"/>
           </a:graphicData>
         </a:graphic>
       </p:graphicFrame>
@@ -5903,7 +6667,7 @@
   <p:timing>
     <p:tnLst>
       <p:par>
-        <p:cTn id="1" dur="indefinite" restart="never" nodeType="tmRoot"/>
+        <p:cTn xmlns:p14="http://schemas.microsoft.com/office/powerpoint/2010/main" id="1" dur="indefinite" restart="never" nodeType="tmRoot"/>
       </p:par>
     </p:tnLst>
   </p:timing>
@@ -5929,7 +6693,7 @@
       </p:grpSpPr>
       <p:sp>
         <p:nvSpPr>
-          <p:cNvPr id="2" name="Title 1"/>
+          <p:cNvPr id="4" name="Title 3"/>
           <p:cNvSpPr>
             <a:spLocks noGrp="1"/>
           </p:cNvSpPr>
@@ -5943,21 +6707,28 @@
           <a:lstStyle/>
           <a:p>
             <a:r>
+              <a:rPr lang="en-US" dirty="0"/>
+              <a:t>Metrics comparison of development time/effort/complexity – and richness of </a:t>
+            </a:r>
+            <a:r>
               <a:rPr lang="en-US" dirty="0" smtClean="0"/>
-              <a:t>Questions and hopefully we have some answers!</a:t>
-            </a:r>
+              <a:t>features  </a:t>
+            </a:r>
+            <a:br>
+              <a:rPr lang="en-US" dirty="0" smtClean="0"/>
+            </a:br>
             <a:endParaRPr lang="en-US" dirty="0"/>
           </a:p>
         </p:txBody>
       </p:sp>
       <p:sp>
         <p:nvSpPr>
-          <p:cNvPr id="4" name="Footer Placeholder 3"/>
+          <p:cNvPr id="5" name="Content Placeholder 4"/>
           <p:cNvSpPr>
             <a:spLocks noGrp="1"/>
           </p:cNvSpPr>
           <p:nvPr>
-            <p:ph type="ftr" sz="quarter" idx="11"/>
+            <p:ph idx="1"/>
           </p:nvPr>
         </p:nvSpPr>
         <p:spPr/>
@@ -5965,18 +6736,10 @@
           <a:bodyPr/>
           <a:lstStyle/>
           <a:p>
-            <a:pPr fontAlgn="base">
-              <a:spcBef>
-                <a:spcPct val="0"/>
-              </a:spcBef>
-              <a:spcAft>
-                <a:spcPct val="0"/>
-              </a:spcAft>
-            </a:pPr>
-            <a:r>
-              <a:rPr lang="en-US" smtClean="0"/>
-              <a:t>Insert Presentation Title Here</a:t>
-            </a:r>
+            <a:pPr marL="285750" indent="-285750">
+              <a:buFont typeface="Arial" panose="020B0604020202020204" pitchFamily="34" charset="0"/>
+              <a:buChar char="•"/>
+            </a:pPr>
             <a:endParaRPr lang="en-US" dirty="0"/>
           </a:p>
         </p:txBody>
@@ -5984,7 +6747,7 @@
     </p:spTree>
     <p:extLst>
       <p:ext uri="{BB962C8B-B14F-4D97-AF65-F5344CB8AC3E}">
-        <p14:creationId xmlns:p14="http://schemas.microsoft.com/office/powerpoint/2010/main" val="1647423624"/>
+        <p14:creationId xmlns:p14="http://schemas.microsoft.com/office/powerpoint/2010/main" val="867932338"/>
       </p:ext>
     </p:extLst>
   </p:cSld>
@@ -5994,7 +6757,90 @@
   <p:timing>
     <p:tnLst>
       <p:par>
-        <p:cTn id="1" dur="indefinite" restart="never" nodeType="tmRoot"/>
+        <p:cTn xmlns:p14="http://schemas.microsoft.com/office/powerpoint/2010/main" id="1" dur="indefinite" restart="never" nodeType="tmRoot"/>
+      </p:par>
+    </p:tnLst>
+  </p:timing>
+</p:sld>
+</file>
+
+<file path=ppt/slides/slide9.xml><?xml version="1.0" encoding="utf-8"?>
+<p:sld xmlns:a="http://schemas.openxmlformats.org/drawingml/2006/main" xmlns:r="http://schemas.openxmlformats.org/officeDocument/2006/relationships" xmlns:p="http://schemas.openxmlformats.org/presentationml/2006/main">
+  <p:cSld>
+    <p:spTree>
+      <p:nvGrpSpPr>
+        <p:cNvPr id="1" name=""/>
+        <p:cNvGrpSpPr/>
+        <p:nvPr/>
+      </p:nvGrpSpPr>
+      <p:grpSpPr>
+        <a:xfrm>
+          <a:off x="0" y="0"/>
+          <a:ext cx="0" cy="0"/>
+          <a:chOff x="0" y="0"/>
+          <a:chExt cx="0" cy="0"/>
+        </a:xfrm>
+      </p:grpSpPr>
+      <p:sp>
+        <p:nvSpPr>
+          <p:cNvPr id="4" name="Title 3"/>
+          <p:cNvSpPr>
+            <a:spLocks noGrp="1"/>
+          </p:cNvSpPr>
+          <p:nvPr>
+            <p:ph type="title"/>
+          </p:nvPr>
+        </p:nvSpPr>
+        <p:spPr/>
+        <p:txBody>
+          <a:bodyPr/>
+          <a:lstStyle/>
+          <a:p>
+            <a:r>
+              <a:rPr lang="en-US" dirty="0" smtClean="0"/>
+              <a:t>Program benefits</a:t>
+            </a:r>
+            <a:endParaRPr lang="en-US" dirty="0"/>
+          </a:p>
+        </p:txBody>
+      </p:sp>
+      <p:sp>
+        <p:nvSpPr>
+          <p:cNvPr id="5" name="Content Placeholder 4"/>
+          <p:cNvSpPr>
+            <a:spLocks noGrp="1"/>
+          </p:cNvSpPr>
+          <p:nvPr>
+            <p:ph idx="1"/>
+          </p:nvPr>
+        </p:nvSpPr>
+        <p:spPr/>
+        <p:txBody>
+          <a:bodyPr/>
+          <a:lstStyle/>
+          <a:p>
+            <a:pPr marL="285750" indent="-285750">
+              <a:buFont typeface="Arial" panose="020B0604020202020204" pitchFamily="34" charset="0"/>
+              <a:buChar char="•"/>
+            </a:pPr>
+            <a:endParaRPr lang="en-US" dirty="0"/>
+          </a:p>
+        </p:txBody>
+      </p:sp>
+    </p:spTree>
+    <p:extLst>
+      <p:ext uri="{BB962C8B-B14F-4D97-AF65-F5344CB8AC3E}">
+        <p14:creationId xmlns:p14="http://schemas.microsoft.com/office/powerpoint/2010/main" val="3712995356"/>
+      </p:ext>
+    </p:extLst>
+  </p:cSld>
+  <p:clrMapOvr>
+    <a:masterClrMapping/>
+  </p:clrMapOvr>
+  <p:timing>
+    <p:tnLst>
+      <p:par>
+        <p:cTn xmlns:p14="http://schemas.microsoft.com/office/powerpoint/2010/main" id="1" dur="indefinite" restart="never" nodeType="tmRoot"/>
       </p:par>
     </p:tnLst>
   </p:timing>
@@ -6196,7 +7042,7 @@
   <a:extraClrSchemeLst/>
   <a:extLst>
     <a:ext uri="{05A4C25C-085E-4340-85A3-A5531E510DB2}">
-      <thm15:themeFamily xmlns:thm15="http://schemas.microsoft.com/office/thememl/2012/main" name="Onscreen_widescreen_internal 080516.potx" id="{121A837F-13EB-4EEB-9CBF-68FF432138C7}" vid="{94EEF936-9075-4692-8DC5-567B13725D63}"/>
+      <thm15:themeFamily xmlns="" xmlns:thm15="http://schemas.microsoft.com/office/thememl/2012/main" name="Onscreen_widescreen_internal 080516.potx" id="{121A837F-13EB-4EEB-9CBF-68FF432138C7}" vid="{94EEF936-9075-4692-8DC5-567B13725D63}"/>
     </a:ext>
   </a:extLst>
 </a:theme>
@@ -6457,7 +7303,7 @@
   <a:extraClrSchemeLst/>
   <a:extLst>
     <a:ext uri="{05A4C25C-085E-4340-85A3-A5531E510DB2}">
-      <thm15:themeFamily xmlns:thm15="http://schemas.microsoft.com/office/thememl/2012/main" name="Office Theme" id="{62F939B6-93AF-4DB8-9C6B-D6C7DFDC589F}" vid="{4A3C46E8-61CC-4603-A589-7422A47A8E4A}"/>
+      <thm15:themeFamily xmlns="" xmlns:thm15="http://schemas.microsoft.com/office/thememl/2012/main" name="Office Theme" id="{62F939B6-93AF-4DB8-9C6B-D6C7DFDC589F}" vid="{4A3C46E8-61CC-4603-A589-7422A47A8E4A}"/>
     </a:ext>
   </a:extLst>
 </a:theme>
@@ -6718,7 +7564,7 @@
   <a:extraClrSchemeLst/>
   <a:extLst>
     <a:ext uri="{05A4C25C-085E-4340-85A3-A5531E510DB2}">
-      <thm15:themeFamily xmlns:thm15="http://schemas.microsoft.com/office/thememl/2012/main" name="Office Theme" id="{62F939B6-93AF-4DB8-9C6B-D6C7DFDC589F}" vid="{4A3C46E8-61CC-4603-A589-7422A47A8E4A}"/>
+      <thm15:themeFamily xmlns="" xmlns:thm15="http://schemas.microsoft.com/office/thememl/2012/main" name="Office Theme" id="{62F939B6-93AF-4DB8-9C6B-D6C7DFDC589F}" vid="{4A3C46E8-61CC-4603-A589-7422A47A8E4A}"/>
     </a:ext>
   </a:extLst>
 </a:theme>
